--- a/SM4/SM4.pptx
+++ b/SM4/SM4.pptx
@@ -5,15 +5,18 @@
     <p:sldMasterId id="2147483648" r:id="rId1"/>
   </p:sldMasterIdLst>
   <p:notesMasterIdLst>
-    <p:notesMasterId r:id="rId8"/>
+    <p:notesMasterId r:id="rId11"/>
   </p:notesMasterIdLst>
   <p:sldIdLst>
     <p:sldId id="256" r:id="rId2"/>
-    <p:sldId id="271" r:id="rId3"/>
-    <p:sldId id="272" r:id="rId4"/>
-    <p:sldId id="275" r:id="rId5"/>
-    <p:sldId id="273" r:id="rId6"/>
-    <p:sldId id="274" r:id="rId7"/>
+    <p:sldId id="277" r:id="rId3"/>
+    <p:sldId id="271" r:id="rId4"/>
+    <p:sldId id="272" r:id="rId5"/>
+    <p:sldId id="279" r:id="rId6"/>
+    <p:sldId id="280" r:id="rId7"/>
+    <p:sldId id="273" r:id="rId8"/>
+    <p:sldId id="281" r:id="rId9"/>
+    <p:sldId id="282" r:id="rId10"/>
   </p:sldIdLst>
   <p:sldSz cx="12192000" cy="6858000"/>
   <p:notesSz cx="6858000" cy="9144000"/>
@@ -467,6 +470,261 @@
     </a:lvl9pPr>
   </p:notesStyle>
 </p:notesMaster>
+</file>
+
+<file path=ppt/notesSlides/notesSlide1.xml><?xml version="1.0" encoding="utf-8"?>
+<p:notes xmlns:a="http://schemas.openxmlformats.org/drawingml/2006/main" xmlns:r="http://schemas.openxmlformats.org/officeDocument/2006/relationships" xmlns:p="http://schemas.openxmlformats.org/presentationml/2006/main">
+  <p:cSld>
+    <p:spTree>
+      <p:nvGrpSpPr>
+        <p:cNvPr id="1" name=""/>
+        <p:cNvGrpSpPr/>
+        <p:nvPr/>
+      </p:nvGrpSpPr>
+      <p:grpSpPr>
+        <a:xfrm>
+          <a:off x="0" y="0"/>
+          <a:ext cx="0" cy="0"/>
+          <a:chOff x="0" y="0"/>
+          <a:chExt cx="0" cy="0"/>
+        </a:xfrm>
+      </p:grpSpPr>
+      <p:sp>
+        <p:nvSpPr>
+          <p:cNvPr id="2" name="מציין מיקום של תמונת שקופית 1"/>
+          <p:cNvSpPr>
+            <a:spLocks noGrp="1" noRot="1" noChangeAspect="1"/>
+          </p:cNvSpPr>
+          <p:nvPr>
+            <p:ph type="sldImg"/>
+          </p:nvPr>
+        </p:nvSpPr>
+        <p:spPr/>
+      </p:sp>
+      <p:sp>
+        <p:nvSpPr>
+          <p:cNvPr id="3" name="מציין מיקום של הערות 2"/>
+          <p:cNvSpPr>
+            <a:spLocks noGrp="1"/>
+          </p:cNvSpPr>
+          <p:nvPr>
+            <p:ph type="body" idx="1"/>
+          </p:nvPr>
+        </p:nvSpPr>
+        <p:spPr/>
+        <p:txBody>
+          <a:bodyPr/>
+          <a:lstStyle/>
+          <a:p>
+            <a:r>
+              <a:rPr lang="he-IL" dirty="0"/>
+              <a:t>ה </a:t>
+            </a:r>
+            <a:r>
+              <a:rPr lang="en-US" dirty="0"/>
+              <a:t>plaintext</a:t>
+            </a:r>
+            <a:r>
+              <a:rPr lang="he-IL" dirty="0"/>
+              <a:t> מופרד ל 4 חלקים </a:t>
+            </a:r>
+            <a:r>
+              <a:rPr lang="en-US" dirty="0"/>
+              <a:t>x1, x2, x3,x4</a:t>
+            </a:r>
+            <a:r>
+              <a:rPr lang="he-IL" dirty="0"/>
+              <a:t> כאשר כל גודל הוא </a:t>
+            </a:r>
+            <a:r>
+              <a:rPr lang="en-US" dirty="0"/>
+              <a:t>32 bit</a:t>
+            </a:r>
+            <a:r>
+              <a:rPr lang="he-IL" dirty="0"/>
+              <a:t> . </a:t>
+            </a:r>
+          </a:p>
+          <a:p>
+            <a:endParaRPr lang="he-IL" dirty="0"/>
+          </a:p>
+        </p:txBody>
+      </p:sp>
+      <p:sp>
+        <p:nvSpPr>
+          <p:cNvPr id="4" name="מציין מיקום של מספר שקופית 3"/>
+          <p:cNvSpPr>
+            <a:spLocks noGrp="1"/>
+          </p:cNvSpPr>
+          <p:nvPr>
+            <p:ph type="sldNum" sz="quarter" idx="5"/>
+          </p:nvPr>
+        </p:nvSpPr>
+        <p:spPr/>
+        <p:txBody>
+          <a:bodyPr/>
+          <a:lstStyle/>
+          <a:p>
+            <a:fld id="{96422681-83CD-47BA-851A-659833C90671}" type="slidenum">
+              <a:rPr lang="he-IL" smtClean="0"/>
+              <a:t>7</a:t>
+            </a:fld>
+            <a:endParaRPr lang="he-IL"/>
+          </a:p>
+        </p:txBody>
+      </p:sp>
+    </p:spTree>
+    <p:extLst>
+      <p:ext uri="{BB962C8B-B14F-4D97-AF65-F5344CB8AC3E}">
+        <p14:creationId xmlns:p14="http://schemas.microsoft.com/office/powerpoint/2010/main" val="3417308734"/>
+      </p:ext>
+    </p:extLst>
+  </p:cSld>
+  <p:clrMapOvr>
+    <a:masterClrMapping/>
+  </p:clrMapOvr>
+</p:notes>
+</file>
+
+<file path=ppt/notesSlides/notesSlide2.xml><?xml version="1.0" encoding="utf-8"?>
+<p:notes xmlns:a="http://schemas.openxmlformats.org/drawingml/2006/main" xmlns:r="http://schemas.openxmlformats.org/officeDocument/2006/relationships" xmlns:p="http://schemas.openxmlformats.org/presentationml/2006/main">
+  <p:cSld>
+    <p:spTree>
+      <p:nvGrpSpPr>
+        <p:cNvPr id="1" name=""/>
+        <p:cNvGrpSpPr/>
+        <p:nvPr/>
+      </p:nvGrpSpPr>
+      <p:grpSpPr>
+        <a:xfrm>
+          <a:off x="0" y="0"/>
+          <a:ext cx="0" cy="0"/>
+          <a:chOff x="0" y="0"/>
+          <a:chExt cx="0" cy="0"/>
+        </a:xfrm>
+      </p:grpSpPr>
+      <p:sp>
+        <p:nvSpPr>
+          <p:cNvPr id="2" name="מציין מיקום של תמונת שקופית 1"/>
+          <p:cNvSpPr>
+            <a:spLocks noGrp="1" noRot="1" noChangeAspect="1"/>
+          </p:cNvSpPr>
+          <p:nvPr>
+            <p:ph type="sldImg"/>
+          </p:nvPr>
+        </p:nvSpPr>
+        <p:spPr/>
+      </p:sp>
+      <p:sp>
+        <p:nvSpPr>
+          <p:cNvPr id="3" name="מציין מיקום של הערות 2"/>
+          <p:cNvSpPr>
+            <a:spLocks noGrp="1"/>
+          </p:cNvSpPr>
+          <p:nvPr>
+            <p:ph type="body" idx="1"/>
+          </p:nvPr>
+        </p:nvSpPr>
+        <p:spPr/>
+        <p:txBody>
+          <a:bodyPr/>
+          <a:lstStyle/>
+          <a:p>
+            <a:r>
+              <a:rPr lang="he-IL" dirty="0"/>
+              <a:t>לפי שנתחיל לבצע </a:t>
+            </a:r>
+            <a:r>
+              <a:rPr lang="en-US" dirty="0" err="1"/>
+              <a:t>encription</a:t>
+            </a:r>
+            <a:r>
+              <a:rPr lang="he-IL" dirty="0"/>
+              <a:t> ניצור את כל המפתחות שלנו . נעשה זאת על ידי השקף הבא</a:t>
+            </a:r>
+          </a:p>
+          <a:p>
+            <a:r>
+              <a:rPr lang="en-US" dirty="0"/>
+              <a:t>MK</a:t>
+            </a:r>
+            <a:r>
+              <a:rPr lang="he-IL" dirty="0"/>
+              <a:t> זה המפתח שלנו – אורכו 128 ביט.</a:t>
+            </a:r>
+          </a:p>
+          <a:p>
+            <a:r>
+              <a:rPr lang="he-IL" dirty="0"/>
+              <a:t>את </a:t>
+            </a:r>
+            <a:r>
+              <a:rPr lang="en-US" dirty="0"/>
+              <a:t>, FK</a:t>
+            </a:r>
+            <a:r>
+              <a:rPr lang="he-IL" dirty="0"/>
+              <a:t> קיבלנו . 128 ביט. </a:t>
+            </a:r>
+          </a:p>
+          <a:p>
+            <a:r>
+              <a:rPr lang="he-IL" dirty="0"/>
+              <a:t>את </a:t>
+            </a:r>
+            <a:r>
+              <a:rPr lang="en-US" dirty="0"/>
+              <a:t>CK</a:t>
+            </a:r>
+            <a:r>
+              <a:rPr lang="he-IL" dirty="0"/>
+              <a:t> גם קיבלנו , אבל קיבלנו 32 </a:t>
+            </a:r>
+            <a:r>
+              <a:rPr lang="en-US" dirty="0"/>
+              <a:t>ck</a:t>
+            </a:r>
+            <a:r>
+              <a:rPr lang="he-IL" dirty="0"/>
+              <a:t> שונים באורך 32 עבור כל סיבוב.</a:t>
+            </a:r>
+          </a:p>
+        </p:txBody>
+      </p:sp>
+      <p:sp>
+        <p:nvSpPr>
+          <p:cNvPr id="4" name="מציין מיקום של מספר שקופית 3"/>
+          <p:cNvSpPr>
+            <a:spLocks noGrp="1"/>
+          </p:cNvSpPr>
+          <p:nvPr>
+            <p:ph type="sldNum" sz="quarter" idx="5"/>
+          </p:nvPr>
+        </p:nvSpPr>
+        <p:spPr/>
+        <p:txBody>
+          <a:bodyPr/>
+          <a:lstStyle/>
+          <a:p>
+            <a:fld id="{96422681-83CD-47BA-851A-659833C90671}" type="slidenum">
+              <a:rPr lang="he-IL" smtClean="0"/>
+              <a:t>9</a:t>
+            </a:fld>
+            <a:endParaRPr lang="he-IL"/>
+          </a:p>
+        </p:txBody>
+      </p:sp>
+    </p:spTree>
+    <p:extLst>
+      <p:ext uri="{BB962C8B-B14F-4D97-AF65-F5344CB8AC3E}">
+        <p14:creationId xmlns:p14="http://schemas.microsoft.com/office/powerpoint/2010/main" val="3873218436"/>
+      </p:ext>
+    </p:extLst>
+  </p:cSld>
+  <p:clrMapOvr>
+    <a:masterClrMapping/>
+  </p:clrMapOvr>
+</p:notes>
 </file>
 
 <file path=ppt/slideLayouts/slideLayout1.xml><?xml version="1.0" encoding="utf-8"?>
@@ -3775,7 +4033,7 @@
           <p:cNvPr id="2" name="כותרת 1">
             <a:extLst>
               <a:ext uri="{FF2B5EF4-FFF2-40B4-BE49-F238E27FC236}">
-                <a16:creationId xmlns:a16="http://schemas.microsoft.com/office/drawing/2014/main" id="{0111EC0E-01EC-6C6D-8860-F525E3F3723E}"/>
+                <a16:creationId xmlns:a16="http://schemas.microsoft.com/office/drawing/2014/main" id="{D5C52C18-4FF3-98F0-B384-F0B5750F48B3}"/>
               </a:ext>
             </a:extLst>
           </p:cNvPr>
@@ -3793,7 +4051,7 @@
           <a:p>
             <a:r>
               <a:rPr lang="he-IL" dirty="0"/>
-              <a:t>תוכן עניינים</a:t>
+              <a:t>הערות כלליות</a:t>
             </a:r>
           </a:p>
         </p:txBody>
@@ -3803,7 +4061,7 @@
           <p:cNvPr id="3" name="מציין מיקום תוכן 2">
             <a:extLst>
               <a:ext uri="{FF2B5EF4-FFF2-40B4-BE49-F238E27FC236}">
-                <a16:creationId xmlns:a16="http://schemas.microsoft.com/office/drawing/2014/main" id="{5B8BAA48-E773-FECC-AB66-229F3231A061}"/>
+                <a16:creationId xmlns:a16="http://schemas.microsoft.com/office/drawing/2014/main" id="{FBD25009-F6B0-7E65-B17A-FDA26BE8E200}"/>
               </a:ext>
             </a:extLst>
           </p:cNvPr>
@@ -3816,104 +4074,120 @@
         </p:nvSpPr>
         <p:spPr/>
         <p:txBody>
-          <a:bodyPr>
-            <a:normAutofit lnSpcReduction="10000"/>
-          </a:bodyPr>
+          <a:bodyPr/>
           <a:lstStyle/>
           <a:p>
             <a:r>
               <a:rPr lang="he-IL" dirty="0"/>
-              <a:t>פתיחה – </a:t>
-            </a:r>
-          </a:p>
-          <a:p>
-            <a:pPr lvl="1"/>
+              <a:t>במצגת צריך להיות </a:t>
+            </a:r>
+            <a:r>
+              <a:rPr lang="en-US" dirty="0"/>
+              <a:t>flow</a:t>
+            </a:r>
             <a:r>
               <a:rPr lang="he-IL" dirty="0"/>
-              <a:t>תמונה של הארכיטקטורה הכללית. </a:t>
-            </a:r>
-          </a:p>
-          <a:p>
-            <a:pPr lvl="1"/>
+              <a:t> ההודעה. כלומר </a:t>
+            </a:r>
+          </a:p>
+          <a:p>
             <a:r>
               <a:rPr lang="he-IL" dirty="0"/>
-              <a:t>נתונים כללים כמו איפה הוא משומש, האם משומש היום</a:t>
-            </a:r>
-          </a:p>
-          <a:p>
-            <a:pPr lvl="1"/>
+              <a:t>אני דור. </a:t>
+            </a:r>
+          </a:p>
+          <a:p>
             <a:r>
               <a:rPr lang="he-IL" dirty="0"/>
-              <a:t>מה הקונפיגורציה שלו ? </a:t>
-            </a:r>
-          </a:p>
-          <a:p>
+              <a:t>עושה </a:t>
+            </a:r>
+            <a:r>
+              <a:rPr lang="en-US" dirty="0"/>
+              <a:t>encrypt</a:t>
+            </a:r>
+            <a:r>
+              <a:rPr lang="he-IL" dirty="0"/>
+              <a:t> ל </a:t>
+            </a:r>
+            <a:r>
+              <a:rPr lang="en-US" dirty="0" err="1"/>
+              <a:t>messege</a:t>
+            </a:r>
+            <a:r>
+              <a:rPr lang="he-IL" dirty="0"/>
+              <a:t> . עושה חתימה . שולח </a:t>
+            </a:r>
+          </a:p>
+          <a:p>
+            <a:endParaRPr lang="he-IL" dirty="0"/>
+          </a:p>
+          <a:p>
+            <a:r>
+              <a:rPr lang="he-IL" dirty="0"/>
+              <a:t>אני </a:t>
+            </a:r>
             <a:r>
               <a:rPr lang="he-IL" dirty="0" err="1"/>
-              <a:t>פיסטל</a:t>
+              <a:t>רוזנר</a:t>
             </a:r>
             <a:r>
               <a:rPr lang="he-IL" dirty="0"/>
-              <a:t> ? </a:t>
-            </a:r>
-          </a:p>
-          <a:p>
+              <a:t> </a:t>
+            </a:r>
+          </a:p>
+          <a:p>
+            <a:r>
+              <a:rPr lang="he-IL" dirty="0"/>
+              <a:t>עושה </a:t>
+            </a:r>
+            <a:r>
+              <a:rPr lang="en-US" dirty="0" err="1"/>
+              <a:t>decrept</a:t>
+            </a:r>
+            <a:r>
+              <a:rPr lang="he-IL" dirty="0"/>
+              <a:t> . עושה </a:t>
+            </a:r>
             <a:r>
               <a:rPr lang="en-US" dirty="0"/>
-              <a:t>Round</a:t>
+              <a:t>hash</a:t>
             </a:r>
             <a:r>
               <a:rPr lang="he-IL" dirty="0"/>
-              <a:t> – כניסה ל</a:t>
+              <a:t> (אותו הה</a:t>
             </a:r>
             <a:r>
               <a:rPr lang="en-US" dirty="0"/>
-              <a:t>round</a:t>
+              <a:t>hash</a:t>
             </a:r>
             <a:r>
               <a:rPr lang="he-IL" dirty="0"/>
-              <a:t> עצמו והבנה כל שלב ושלב.</a:t>
-            </a:r>
-          </a:p>
-          <a:p>
-            <a:pPr lvl="1"/>
+              <a:t> ) ומוודא שזה שווה לחתימה. </a:t>
+            </a:r>
+          </a:p>
+          <a:p>
+            <a:endParaRPr lang="he-IL" dirty="0"/>
+          </a:p>
+          <a:p>
             <a:r>
               <a:rPr lang="he-IL" dirty="0"/>
-              <a:t>בכל שלב הצגת הקבועים ?</a:t>
+              <a:t>חסר כל החלק השלישי ב </a:t>
             </a:r>
             <a:r>
               <a:rPr lang="en-US" dirty="0"/>
-              <a:t> </a:t>
-            </a:r>
-            <a:endParaRPr lang="he-IL" dirty="0"/>
-          </a:p>
-          <a:p>
+              <a:t>flow</a:t>
+            </a:r>
             <a:r>
               <a:rPr lang="he-IL" dirty="0"/>
-              <a:t>הבנה למה הוא טוב </a:t>
-            </a:r>
-          </a:p>
-          <a:p>
-            <a:pPr lvl="1"/>
-            <a:r>
-              <a:rPr lang="he-IL" dirty="0"/>
-              <a:t>כלומר ממה הוא מתגונן טוב</a:t>
-            </a:r>
-            <a:endParaRPr lang="en-US" dirty="0"/>
-          </a:p>
-          <a:p>
-            <a:r>
-              <a:rPr lang="he-IL" dirty="0"/>
-              <a:t>מה החולשות שלו אם יש כאלה</a:t>
-            </a:r>
-            <a:endParaRPr lang="en-US" dirty="0"/>
+              <a:t> .</a:t>
+            </a:r>
           </a:p>
         </p:txBody>
       </p:sp>
     </p:spTree>
     <p:extLst>
       <p:ext uri="{BB962C8B-B14F-4D97-AF65-F5344CB8AC3E}">
-        <p14:creationId xmlns:p14="http://schemas.microsoft.com/office/powerpoint/2010/main" val="1697407357"/>
+        <p14:creationId xmlns:p14="http://schemas.microsoft.com/office/powerpoint/2010/main" val="1767449158"/>
       </p:ext>
     </p:extLst>
   </p:cSld>
@@ -3940,79 +4214,184 @@
           <a:chExt cx="0" cy="0"/>
         </a:xfrm>
       </p:grpSpPr>
-      <p:pic>
-        <p:nvPicPr>
-          <p:cNvPr id="5" name="תמונה 4" descr="תמונה שמכילה צילום מסך, שחור, עיצוב&#10;&#10;התיאור נוצר באופן אוטומטי">
-            <a:extLst>
-              <a:ext uri="{FF2B5EF4-FFF2-40B4-BE49-F238E27FC236}">
-                <a16:creationId xmlns:a16="http://schemas.microsoft.com/office/drawing/2014/main" id="{2904A07B-305F-087A-9BA6-27EFD39A3BCF}"/>
-              </a:ext>
-            </a:extLst>
-          </p:cNvPr>
-          <p:cNvPicPr>
-            <a:picLocks noChangeAspect="1"/>
-          </p:cNvPicPr>
-          <p:nvPr/>
-        </p:nvPicPr>
-        <p:blipFill>
-          <a:blip r:embed="rId2">
-            <a:extLst>
-              <a:ext uri="{28A0092B-C50C-407E-A947-70E740481C1C}">
-                <a14:useLocalDpi xmlns:a14="http://schemas.microsoft.com/office/drawing/2010/main" val="0"/>
-              </a:ext>
-            </a:extLst>
-          </a:blip>
-          <a:stretch>
-            <a:fillRect/>
-          </a:stretch>
-        </p:blipFill>
-        <p:spPr>
-          <a:xfrm>
-            <a:off x="6477766" y="66436"/>
-            <a:ext cx="5245382" cy="6791564"/>
-          </a:xfrm>
-          <a:prstGeom prst="rect">
-            <a:avLst/>
-          </a:prstGeom>
-        </p:spPr>
-      </p:pic>
-      <p:sp>
-        <p:nvSpPr>
-          <p:cNvPr id="6" name="מציין מיקום תוכן 2">
-            <a:extLst>
-              <a:ext uri="{FF2B5EF4-FFF2-40B4-BE49-F238E27FC236}">
-                <a16:creationId xmlns:a16="http://schemas.microsoft.com/office/drawing/2014/main" id="{335CADEF-4D1D-B1F1-7601-69B61E2CE1CE}"/>
-              </a:ext>
-            </a:extLst>
-          </p:cNvPr>
-          <p:cNvSpPr>
-            <a:spLocks noGrp="1"/>
-          </p:cNvSpPr>
-          <p:nvPr>
-            <p:ph idx="1"/>
-          </p:nvPr>
-        </p:nvSpPr>
-        <p:spPr>
-          <a:xfrm>
-            <a:off x="838200" y="1825625"/>
-            <a:ext cx="4876035" cy="4351338"/>
-          </a:xfrm>
-        </p:spPr>
+      <p:sp>
+        <p:nvSpPr>
+          <p:cNvPr id="2" name="כותרת 1">
+            <a:extLst>
+              <a:ext uri="{FF2B5EF4-FFF2-40B4-BE49-F238E27FC236}">
+                <a16:creationId xmlns:a16="http://schemas.microsoft.com/office/drawing/2014/main" id="{0111EC0E-01EC-6C6D-8860-F525E3F3723E}"/>
+              </a:ext>
+            </a:extLst>
+          </p:cNvPr>
+          <p:cNvSpPr>
+            <a:spLocks noGrp="1"/>
+          </p:cNvSpPr>
+          <p:nvPr>
+            <p:ph type="title"/>
+          </p:nvPr>
+        </p:nvSpPr>
+        <p:spPr/>
         <p:txBody>
           <a:bodyPr/>
           <a:lstStyle/>
           <a:p>
             <a:r>
               <a:rPr lang="he-IL" dirty="0"/>
-              <a:t>פתיחה – עובדות כלליות + קונפיגורציה</a:t>
-            </a:r>
+              <a:t>תוכן עניינים</a:t>
+            </a:r>
+          </a:p>
+        </p:txBody>
+      </p:sp>
+      <p:sp>
+        <p:nvSpPr>
+          <p:cNvPr id="3" name="מציין מיקום תוכן 2">
+            <a:extLst>
+              <a:ext uri="{FF2B5EF4-FFF2-40B4-BE49-F238E27FC236}">
+                <a16:creationId xmlns:a16="http://schemas.microsoft.com/office/drawing/2014/main" id="{5B8BAA48-E773-FECC-AB66-229F3231A061}"/>
+              </a:ext>
+            </a:extLst>
+          </p:cNvPr>
+          <p:cNvSpPr>
+            <a:spLocks noGrp="1"/>
+          </p:cNvSpPr>
+          <p:nvPr>
+            <p:ph idx="1"/>
+          </p:nvPr>
+        </p:nvSpPr>
+        <p:spPr/>
+        <p:txBody>
+          <a:bodyPr>
+            <a:normAutofit fontScale="85000" lnSpcReduction="20000"/>
+          </a:bodyPr>
+          <a:lstStyle/>
+          <a:p>
+            <a:r>
+              <a:rPr lang="he-IL" dirty="0"/>
+              <a:t>פתיחה – </a:t>
+            </a:r>
+          </a:p>
+          <a:p>
+            <a:pPr lvl="1"/>
+            <a:r>
+              <a:rPr lang="he-IL" dirty="0"/>
+              <a:t>תמונה של הארכיטקטורה הכללית. </a:t>
+            </a:r>
+          </a:p>
+          <a:p>
+            <a:pPr lvl="1"/>
+            <a:r>
+              <a:rPr lang="he-IL" dirty="0"/>
+              <a:t>נתונים כללים כמו איפה הוא משומש, האם משומש היום</a:t>
+            </a:r>
+          </a:p>
+          <a:p>
+            <a:pPr lvl="1"/>
+            <a:r>
+              <a:rPr lang="he-IL" dirty="0"/>
+              <a:t>מה הקונפיגורציה שלו ? </a:t>
+            </a:r>
+          </a:p>
+          <a:p>
+            <a:r>
+              <a:rPr lang="he-IL" dirty="0" err="1"/>
+              <a:t>פיסטל</a:t>
+            </a:r>
+            <a:r>
+              <a:rPr lang="he-IL" dirty="0"/>
+              <a:t> ? </a:t>
+            </a:r>
+          </a:p>
+          <a:p>
+            <a:r>
+              <a:rPr lang="he-IL" dirty="0"/>
+              <a:t>שני דברים </a:t>
+            </a:r>
+          </a:p>
+          <a:p>
+            <a:pPr lvl="1"/>
+            <a:r>
+              <a:rPr lang="en-US" dirty="0"/>
+              <a:t>Key </a:t>
+            </a:r>
+            <a:r>
+              <a:rPr lang="en-US" dirty="0" err="1"/>
+              <a:t>expantion</a:t>
+            </a:r>
+            <a:endParaRPr lang="en-US" dirty="0"/>
+          </a:p>
+          <a:p>
+            <a:pPr lvl="1"/>
+            <a:r>
+              <a:rPr lang="en-US" dirty="0" err="1"/>
+              <a:t>Encription</a:t>
+            </a:r>
+            <a:r>
+              <a:rPr lang="en-US" dirty="0"/>
+              <a:t> </a:t>
+            </a:r>
+            <a:r>
+              <a:rPr lang="en-US" dirty="0" err="1"/>
+              <a:t>decription</a:t>
+            </a:r>
+            <a:endParaRPr lang="he-IL" dirty="0"/>
+          </a:p>
+          <a:p>
+            <a:r>
+              <a:rPr lang="en-US" dirty="0"/>
+              <a:t>Round</a:t>
+            </a:r>
+            <a:r>
+              <a:rPr lang="he-IL" dirty="0"/>
+              <a:t> – כניסה ל</a:t>
+            </a:r>
+            <a:r>
+              <a:rPr lang="en-US" dirty="0"/>
+              <a:t>round</a:t>
+            </a:r>
+            <a:r>
+              <a:rPr lang="he-IL" dirty="0"/>
+              <a:t> עצמו והבנה כל שלב ושלב.</a:t>
+            </a:r>
+          </a:p>
+          <a:p>
+            <a:pPr lvl="1"/>
+            <a:r>
+              <a:rPr lang="he-IL" dirty="0"/>
+              <a:t>בכל שלב הצגת הקבועים ?</a:t>
+            </a:r>
+            <a:r>
+              <a:rPr lang="en-US" dirty="0"/>
+              <a:t> </a:t>
+            </a:r>
+            <a:endParaRPr lang="he-IL" dirty="0"/>
+          </a:p>
+          <a:p>
+            <a:r>
+              <a:rPr lang="he-IL" dirty="0"/>
+              <a:t>הבנה למה הוא טוב </a:t>
+            </a:r>
+          </a:p>
+          <a:p>
+            <a:pPr lvl="1"/>
+            <a:r>
+              <a:rPr lang="he-IL" dirty="0"/>
+              <a:t>כלומר ממה הוא מתגונן טוב</a:t>
+            </a:r>
+            <a:endParaRPr lang="en-US" dirty="0"/>
+          </a:p>
+          <a:p>
+            <a:r>
+              <a:rPr lang="he-IL" dirty="0"/>
+              <a:t>מה החולשות שלו אם יש כאלה</a:t>
+            </a:r>
+            <a:endParaRPr lang="en-US" dirty="0"/>
           </a:p>
         </p:txBody>
       </p:sp>
     </p:spTree>
     <p:extLst>
       <p:ext uri="{BB962C8B-B14F-4D97-AF65-F5344CB8AC3E}">
-        <p14:creationId xmlns:p14="http://schemas.microsoft.com/office/powerpoint/2010/main" val="810745436"/>
+        <p14:creationId xmlns:p14="http://schemas.microsoft.com/office/powerpoint/2010/main" val="1697407357"/>
       </p:ext>
     </p:extLst>
   </p:cSld>
@@ -4039,6 +4418,96 @@
           <a:chExt cx="0" cy="0"/>
         </a:xfrm>
       </p:grpSpPr>
+      <p:sp>
+        <p:nvSpPr>
+          <p:cNvPr id="6" name="מציין מיקום תוכן 2">
+            <a:extLst>
+              <a:ext uri="{FF2B5EF4-FFF2-40B4-BE49-F238E27FC236}">
+                <a16:creationId xmlns:a16="http://schemas.microsoft.com/office/drawing/2014/main" id="{335CADEF-4D1D-B1F1-7601-69B61E2CE1CE}"/>
+              </a:ext>
+            </a:extLst>
+          </p:cNvPr>
+          <p:cNvSpPr>
+            <a:spLocks noGrp="1"/>
+          </p:cNvSpPr>
+          <p:nvPr>
+            <p:ph idx="1"/>
+          </p:nvPr>
+        </p:nvSpPr>
+        <p:spPr>
+          <a:xfrm>
+            <a:off x="163286" y="1422853"/>
+            <a:ext cx="7587343" cy="4351338"/>
+          </a:xfrm>
+        </p:spPr>
+        <p:txBody>
+          <a:bodyPr>
+            <a:normAutofit/>
+          </a:bodyPr>
+          <a:lstStyle/>
+          <a:p>
+            <a:pPr marL="0" indent="0" algn="l" rtl="0">
+              <a:buNone/>
+            </a:pPr>
+            <a:endParaRPr lang="en-US" dirty="0"/>
+          </a:p>
+          <a:p>
+            <a:pPr algn="l" rtl="0"/>
+            <a:r>
+              <a:rPr lang="en-US" dirty="0"/>
+              <a:t>SM4 is a symmetric-key block cipher standard used in China.</a:t>
+            </a:r>
+          </a:p>
+          <a:p>
+            <a:pPr algn="l" rtl="0"/>
+            <a:r>
+              <a:rPr lang="en-US" dirty="0"/>
+              <a:t>Developed by the Chinese government.</a:t>
+            </a:r>
+          </a:p>
+          <a:p>
+            <a:pPr algn="l" rtl="0"/>
+            <a:r>
+              <a:rPr lang="en-US" dirty="0"/>
+              <a:t>Designed to provide secure communication in wireless networks.</a:t>
+            </a:r>
+          </a:p>
+          <a:p>
+            <a:pPr algn="l" rtl="0"/>
+            <a:endParaRPr lang="he-IL" dirty="0"/>
+          </a:p>
+        </p:txBody>
+      </p:sp>
+    </p:spTree>
+    <p:extLst>
+      <p:ext uri="{BB962C8B-B14F-4D97-AF65-F5344CB8AC3E}">
+        <p14:creationId xmlns:p14="http://schemas.microsoft.com/office/powerpoint/2010/main" val="810745436"/>
+      </p:ext>
+    </p:extLst>
+  </p:cSld>
+  <p:clrMapOvr>
+    <a:masterClrMapping/>
+  </p:clrMapOvr>
+</p:sld>
+</file>
+
+<file path=ppt/slides/slide5.xml><?xml version="1.0" encoding="utf-8"?>
+<p:sld xmlns:a="http://schemas.openxmlformats.org/drawingml/2006/main" xmlns:r="http://schemas.openxmlformats.org/officeDocument/2006/relationships" xmlns:p="http://schemas.openxmlformats.org/presentationml/2006/main">
+  <p:cSld>
+    <p:spTree>
+      <p:nvGrpSpPr>
+        <p:cNvPr id="1" name=""/>
+        <p:cNvGrpSpPr/>
+        <p:nvPr/>
+      </p:nvGrpSpPr>
+      <p:grpSpPr>
+        <a:xfrm>
+          <a:off x="0" y="0"/>
+          <a:ext cx="0" cy="0"/>
+          <a:chOff x="0" y="0"/>
+          <a:chExt cx="0" cy="0"/>
+        </a:xfrm>
+      </p:grpSpPr>
       <p:pic>
         <p:nvPicPr>
           <p:cNvPr id="5" name="תמונה 4" descr="תמונה שמכילה צילום מסך, שחור, עיצוב&#10;&#10;התיאור נוצר באופן אוטומטי">
@@ -4093,25 +4562,65 @@
         </p:nvSpPr>
         <p:spPr>
           <a:xfrm>
-            <a:off x="838200" y="1825625"/>
-            <a:ext cx="4876035" cy="4351338"/>
+            <a:off x="185057" y="1988910"/>
+            <a:ext cx="7587343" cy="4351338"/>
           </a:xfrm>
         </p:spPr>
         <p:txBody>
-          <a:bodyPr/>
+          <a:bodyPr>
+            <a:normAutofit/>
+          </a:bodyPr>
           <a:lstStyle/>
           <a:p>
-            <a:r>
-              <a:rPr lang="he-IL" dirty="0"/>
-              <a:t>פתיחה – עובדות כלליות + קונפיגורציה</a:t>
-            </a:r>
+            <a:pPr algn="l" rtl="0"/>
+            <a:r>
+              <a:rPr lang="en-US" dirty="0"/>
+              <a:t>Symmetric block cipher.</a:t>
+            </a:r>
+          </a:p>
+          <a:p>
+            <a:pPr algn="l" rtl="0"/>
+            <a:r>
+              <a:rPr lang="en-US" dirty="0"/>
+              <a:t>Key size: 128 bit.</a:t>
+            </a:r>
+          </a:p>
+          <a:p>
+            <a:pPr algn="l" rtl="0"/>
+            <a:r>
+              <a:rPr lang="en-US" dirty="0"/>
+              <a:t>Block size: 128 bit.</a:t>
+            </a:r>
+          </a:p>
+          <a:p>
+            <a:pPr algn="l" rtl="0"/>
+            <a:r>
+              <a:rPr lang="en-US" dirty="0"/>
+              <a:t>Rounds: 32.</a:t>
+            </a:r>
+          </a:p>
+          <a:p>
+            <a:pPr algn="l" rtl="0"/>
+            <a:r>
+              <a:rPr lang="en-US" dirty="0"/>
+              <a:t>Structure: unbalanced </a:t>
+            </a:r>
+            <a:r>
+              <a:rPr lang="en-US" dirty="0" err="1"/>
+              <a:t>Fiestel</a:t>
+            </a:r>
+            <a:r>
+              <a:rPr lang="en-US" dirty="0"/>
+              <a:t> network.</a:t>
+            </a:r>
+            <a:endParaRPr lang="he-IL" dirty="0"/>
           </a:p>
         </p:txBody>
       </p:sp>
     </p:spTree>
     <p:extLst>
       <p:ext uri="{BB962C8B-B14F-4D97-AF65-F5344CB8AC3E}">
-        <p14:creationId xmlns:p14="http://schemas.microsoft.com/office/powerpoint/2010/main" val="100156340"/>
+        <p14:creationId xmlns:p14="http://schemas.microsoft.com/office/powerpoint/2010/main" val="1412188178"/>
       </p:ext>
     </p:extLst>
   </p:cSld>
@@ -4121,7 +4630,1480 @@
 </p:sld>
 </file>
 
-<file path=ppt/slides/slide5.xml><?xml version="1.0" encoding="utf-8"?>
+<file path=ppt/slides/slide6.xml><?xml version="1.0" encoding="utf-8"?>
+<p:sld xmlns:a="http://schemas.openxmlformats.org/drawingml/2006/main" xmlns:r="http://schemas.openxmlformats.org/officeDocument/2006/relationships" xmlns:p="http://schemas.openxmlformats.org/presentationml/2006/main">
+  <p:cSld>
+    <p:spTree>
+      <p:nvGrpSpPr>
+        <p:cNvPr id="1" name=""/>
+        <p:cNvGrpSpPr/>
+        <p:nvPr/>
+      </p:nvGrpSpPr>
+      <p:grpSpPr>
+        <a:xfrm>
+          <a:off x="0" y="0"/>
+          <a:ext cx="0" cy="0"/>
+          <a:chOff x="0" y="0"/>
+          <a:chExt cx="0" cy="0"/>
+        </a:xfrm>
+      </p:grpSpPr>
+      <p:sp>
+        <p:nvSpPr>
+          <p:cNvPr id="2" name="כותרת 1">
+            <a:extLst>
+              <a:ext uri="{FF2B5EF4-FFF2-40B4-BE49-F238E27FC236}">
+                <a16:creationId xmlns:a16="http://schemas.microsoft.com/office/drawing/2014/main" id="{4CB38304-B1C7-CA51-FE8B-60E8E5F6BE40}"/>
+              </a:ext>
+            </a:extLst>
+          </p:cNvPr>
+          <p:cNvSpPr>
+            <a:spLocks noGrp="1"/>
+          </p:cNvSpPr>
+          <p:nvPr>
+            <p:ph type="title"/>
+          </p:nvPr>
+        </p:nvSpPr>
+        <p:spPr/>
+        <p:txBody>
+          <a:bodyPr/>
+          <a:lstStyle/>
+          <a:p>
+            <a:pPr algn="l" rtl="0"/>
+            <a:r>
+              <a:rPr lang="en-US" dirty="0"/>
+              <a:t>SM4</a:t>
+            </a:r>
+            <a:endParaRPr lang="he-IL" dirty="0"/>
+          </a:p>
+        </p:txBody>
+      </p:sp>
+      <p:sp>
+        <p:nvSpPr>
+          <p:cNvPr id="3" name="מציין מיקום תוכן 2">
+            <a:extLst>
+              <a:ext uri="{FF2B5EF4-FFF2-40B4-BE49-F238E27FC236}">
+                <a16:creationId xmlns:a16="http://schemas.microsoft.com/office/drawing/2014/main" id="{7C1E611E-2318-DC08-F7DF-7A6ACB664357}"/>
+              </a:ext>
+            </a:extLst>
+          </p:cNvPr>
+          <p:cNvSpPr>
+            <a:spLocks noGrp="1"/>
+          </p:cNvSpPr>
+          <p:nvPr>
+            <p:ph idx="1"/>
+          </p:nvPr>
+        </p:nvSpPr>
+        <p:spPr>
+          <a:xfrm>
+            <a:off x="838200" y="1825625"/>
+            <a:ext cx="4441371" cy="1244146"/>
+          </a:xfrm>
+        </p:spPr>
+        <p:txBody>
+          <a:bodyPr/>
+          <a:lstStyle/>
+          <a:p>
+            <a:pPr algn="l" rtl="0"/>
+            <a:r>
+              <a:rPr lang="en-US" dirty="0"/>
+              <a:t>Encryption – Decryption.</a:t>
+            </a:r>
+          </a:p>
+          <a:p>
+            <a:pPr algn="l" rtl="0"/>
+            <a:r>
+              <a:rPr lang="en-US" dirty="0"/>
+              <a:t>Key Expansion.</a:t>
+            </a:r>
+            <a:endParaRPr lang="he-IL" dirty="0"/>
+          </a:p>
+          <a:p>
+            <a:pPr marL="0" indent="0" algn="l" rtl="0">
+              <a:buNone/>
+            </a:pPr>
+            <a:endParaRPr lang="en-US" dirty="0"/>
+          </a:p>
+        </p:txBody>
+      </p:sp>
+    </p:spTree>
+    <p:extLst>
+      <p:ext uri="{BB962C8B-B14F-4D97-AF65-F5344CB8AC3E}">
+        <p14:creationId xmlns:p14="http://schemas.microsoft.com/office/powerpoint/2010/main" val="2315262758"/>
+      </p:ext>
+    </p:extLst>
+  </p:cSld>
+  <p:clrMapOvr>
+    <a:masterClrMapping/>
+  </p:clrMapOvr>
+</p:sld>
+</file>
+
+<file path=ppt/slides/slide7.xml><?xml version="1.0" encoding="utf-8"?>
+<p:sld xmlns:a="http://schemas.openxmlformats.org/drawingml/2006/main" xmlns:r="http://schemas.openxmlformats.org/officeDocument/2006/relationships" xmlns:p="http://schemas.openxmlformats.org/presentationml/2006/main">
+  <p:cSld>
+    <p:spTree>
+      <p:nvGrpSpPr>
+        <p:cNvPr id="1" name=""/>
+        <p:cNvGrpSpPr/>
+        <p:nvPr/>
+      </p:nvGrpSpPr>
+      <p:grpSpPr>
+        <a:xfrm>
+          <a:off x="0" y="0"/>
+          <a:ext cx="0" cy="0"/>
+          <a:chOff x="0" y="0"/>
+          <a:chExt cx="0" cy="0"/>
+        </a:xfrm>
+      </p:grpSpPr>
+      <p:pic>
+        <p:nvPicPr>
+          <p:cNvPr id="34" name="תמונה 33" descr="תמונה שמכילה תרשים, קו, צילום מסך, שרטוט טכני&#10;&#10;התיאור נוצר באופן אוטומטי">
+            <a:extLst>
+              <a:ext uri="{FF2B5EF4-FFF2-40B4-BE49-F238E27FC236}">
+                <a16:creationId xmlns:a16="http://schemas.microsoft.com/office/drawing/2014/main" id="{0DA54653-716A-1E8B-F226-47A00460F68B}"/>
+              </a:ext>
+            </a:extLst>
+          </p:cNvPr>
+          <p:cNvPicPr>
+            <a:picLocks noChangeAspect="1"/>
+          </p:cNvPicPr>
+          <p:nvPr/>
+        </p:nvPicPr>
+        <p:blipFill>
+          <a:blip r:embed="rId3">
+            <a:extLst>
+              <a:ext uri="{28A0092B-C50C-407E-A947-70E740481C1C}">
+                <a14:useLocalDpi xmlns:a14="http://schemas.microsoft.com/office/drawing/2010/main" val="0"/>
+              </a:ext>
+            </a:extLst>
+          </a:blip>
+          <a:stretch>
+            <a:fillRect/>
+          </a:stretch>
+        </p:blipFill>
+        <p:spPr>
+          <a:xfrm>
+            <a:off x="4747776" y="2270817"/>
+            <a:ext cx="6862052" cy="4149337"/>
+          </a:xfrm>
+          <a:prstGeom prst="rect">
+            <a:avLst/>
+          </a:prstGeom>
+        </p:spPr>
+      </p:pic>
+      <mc:AlternateContent xmlns:mc="http://schemas.openxmlformats.org/markup-compatibility/2006">
+        <mc:Choice xmlns:a14="http://schemas.microsoft.com/office/drawing/2010/main" Requires="a14">
+          <p:sp>
+            <p:nvSpPr>
+              <p:cNvPr id="2" name="כותרת 1">
+                <a:extLst>
+                  <a:ext uri="{FF2B5EF4-FFF2-40B4-BE49-F238E27FC236}">
+                    <a16:creationId xmlns:a16="http://schemas.microsoft.com/office/drawing/2014/main" id="{E3DD8957-D9AD-0A5C-31C2-8EE1479F1246}"/>
+                  </a:ext>
+                </a:extLst>
+              </p:cNvPr>
+              <p:cNvSpPr>
+                <a:spLocks noGrp="1"/>
+              </p:cNvSpPr>
+              <p:nvPr>
+                <p:ph type="title"/>
+              </p:nvPr>
+            </p:nvSpPr>
+            <p:spPr>
+              <a:xfrm>
+                <a:off x="464685" y="136152"/>
+                <a:ext cx="7230683" cy="1325563"/>
+              </a:xfrm>
+            </p:spPr>
+            <p:txBody>
+              <a:bodyPr>
+                <a:normAutofit/>
+              </a:bodyPr>
+              <a:lstStyle/>
+              <a:p>
+                <a:pPr algn="l" rtl="0"/>
+                <a14:m>
+                  <m:oMathPara xmlns:m="http://schemas.openxmlformats.org/officeDocument/2006/math">
+                    <m:oMathParaPr>
+                      <m:jc m:val="left"/>
+                    </m:oMathParaPr>
+                    <m:oMath xmlns:m="http://schemas.openxmlformats.org/officeDocument/2006/math">
+                      <m:r>
+                        <m:rPr>
+                          <m:nor/>
+                        </m:rPr>
+                        <a:rPr lang="en-US" dirty="0" smtClean="0"/>
+                        <m:t>Encryption</m:t>
+                      </m:r>
+                      <m:r>
+                        <a:rPr lang="en-US" b="0" i="1" dirty="0" smtClean="0">
+                          <a:latin typeface="Cambria Math" panose="02040503050406030204" pitchFamily="18" charset="0"/>
+                        </a:rPr>
+                        <m:t> − </m:t>
+                      </m:r>
+                      <m:r>
+                        <a:rPr lang="en-US" i="1" dirty="0" smtClean="0">
+                          <a:latin typeface="Cambria Math" panose="02040503050406030204" pitchFamily="18" charset="0"/>
+                        </a:rPr>
+                        <m:t>𝑅𝑜𝑢𝑛𝑑</m:t>
+                      </m:r>
+                    </m:oMath>
+                  </m:oMathPara>
+                </a14:m>
+                <a:endParaRPr lang="he-IL" dirty="0"/>
+              </a:p>
+            </p:txBody>
+          </p:sp>
+        </mc:Choice>
+        <mc:Fallback>
+          <p:sp>
+            <p:nvSpPr>
+              <p:cNvPr id="2" name="כותרת 1">
+                <a:extLst>
+                  <a:ext uri="{FF2B5EF4-FFF2-40B4-BE49-F238E27FC236}">
+                    <a16:creationId xmlns:a16="http://schemas.microsoft.com/office/drawing/2014/main" id="{E3DD8957-D9AD-0A5C-31C2-8EE1479F1246}"/>
+                  </a:ext>
+                </a:extLst>
+              </p:cNvPr>
+              <p:cNvSpPr>
+                <a:spLocks noGrp="1" noRot="1" noChangeAspect="1" noMove="1" noResize="1" noEditPoints="1" noAdjustHandles="1" noChangeArrowheads="1" noChangeShapeType="1" noTextEdit="1"/>
+              </p:cNvSpPr>
+              <p:nvPr>
+                <p:ph type="title"/>
+              </p:nvPr>
+            </p:nvSpPr>
+            <p:spPr>
+              <a:xfrm>
+                <a:off x="464685" y="136152"/>
+                <a:ext cx="7230683" cy="1325563"/>
+              </a:xfrm>
+              <a:blipFill>
+                <a:blip r:embed="rId4"/>
+                <a:stretch>
+                  <a:fillRect/>
+                </a:stretch>
+              </a:blipFill>
+            </p:spPr>
+            <p:txBody>
+              <a:bodyPr/>
+              <a:lstStyle/>
+              <a:p>
+                <a:r>
+                  <a:rPr lang="he-IL">
+                    <a:noFill/>
+                  </a:rPr>
+                  <a:t> </a:t>
+                </a:r>
+              </a:p>
+            </p:txBody>
+          </p:sp>
+        </mc:Fallback>
+      </mc:AlternateContent>
+      <p:grpSp>
+        <p:nvGrpSpPr>
+          <p:cNvPr id="15" name="קבוצה 14">
+            <a:extLst>
+              <a:ext uri="{FF2B5EF4-FFF2-40B4-BE49-F238E27FC236}">
+                <a16:creationId xmlns:a16="http://schemas.microsoft.com/office/drawing/2014/main" id="{5629AC4D-D61A-370E-C0EA-441D6795485C}"/>
+              </a:ext>
+            </a:extLst>
+          </p:cNvPr>
+          <p:cNvGrpSpPr/>
+          <p:nvPr/>
+        </p:nvGrpSpPr>
+        <p:grpSpPr>
+          <a:xfrm>
+            <a:off x="6917893" y="987315"/>
+            <a:ext cx="3391301" cy="1230964"/>
+            <a:chOff x="4594687" y="1793813"/>
+            <a:chExt cx="3391301" cy="1230964"/>
+          </a:xfrm>
+        </p:grpSpPr>
+        <mc:AlternateContent xmlns:mc="http://schemas.openxmlformats.org/markup-compatibility/2006">
+          <mc:Choice xmlns:a14="http://schemas.microsoft.com/office/drawing/2010/main" Requires="a14">
+            <p:sp>
+              <p:nvSpPr>
+                <p:cNvPr id="6" name="מלבן 5">
+                  <a:extLst>
+                    <a:ext uri="{FF2B5EF4-FFF2-40B4-BE49-F238E27FC236}">
+                      <a16:creationId xmlns:a16="http://schemas.microsoft.com/office/drawing/2014/main" id="{D7707EEB-B8DA-77EA-6B4B-CA40CC75A7B9}"/>
+                    </a:ext>
+                  </a:extLst>
+                </p:cNvPr>
+                <p:cNvSpPr/>
+                <p:nvPr/>
+              </p:nvSpPr>
+              <p:spPr>
+                <a:xfrm>
+                  <a:off x="4594687" y="2626933"/>
+                  <a:ext cx="782855" cy="397844"/>
+                </a:xfrm>
+                <a:prstGeom prst="rect">
+                  <a:avLst/>
+                </a:prstGeom>
+              </p:spPr>
+              <p:style>
+                <a:lnRef idx="0">
+                  <a:schemeClr val="accent4"/>
+                </a:lnRef>
+                <a:fillRef idx="3">
+                  <a:schemeClr val="accent4"/>
+                </a:fillRef>
+                <a:effectRef idx="3">
+                  <a:schemeClr val="accent4"/>
+                </a:effectRef>
+                <a:fontRef idx="minor">
+                  <a:schemeClr val="lt1"/>
+                </a:fontRef>
+              </p:style>
+              <p:txBody>
+                <a:bodyPr rtlCol="1" anchor="ctr"/>
+                <a:lstStyle/>
+                <a:p>
+                  <a:pPr algn="ctr" rtl="0"/>
+                  <a14:m>
+                    <m:oMathPara xmlns:m="http://schemas.openxmlformats.org/officeDocument/2006/math">
+                      <m:oMathParaPr>
+                        <m:jc m:val="center"/>
+                      </m:oMathParaPr>
+                      <m:oMath xmlns:m="http://schemas.openxmlformats.org/officeDocument/2006/math">
+                        <m:sSub>
+                          <m:sSubPr>
+                            <m:ctrlPr>
+                              <a:rPr lang="en-US" b="0" i="1" smtClean="0">
+                                <a:latin typeface="Cambria Math" panose="02040503050406030204" pitchFamily="18" charset="0"/>
+                              </a:rPr>
+                            </m:ctrlPr>
+                          </m:sSubPr>
+                          <m:e>
+                            <m:r>
+                              <a:rPr lang="en-US" b="0" i="1" smtClean="0">
+                                <a:latin typeface="Cambria Math" panose="02040503050406030204" pitchFamily="18" charset="0"/>
+                              </a:rPr>
+                              <m:t>𝑋</m:t>
+                            </m:r>
+                          </m:e>
+                          <m:sub>
+                            <m:r>
+                              <a:rPr lang="en-US" b="0" i="1" smtClean="0">
+                                <a:latin typeface="Cambria Math" panose="02040503050406030204" pitchFamily="18" charset="0"/>
+                              </a:rPr>
+                              <m:t>0</m:t>
+                            </m:r>
+                          </m:sub>
+                        </m:sSub>
+                      </m:oMath>
+                    </m:oMathPara>
+                  </a14:m>
+                  <a:endParaRPr lang="he-IL" dirty="0"/>
+                </a:p>
+              </p:txBody>
+            </p:sp>
+          </mc:Choice>
+          <mc:Fallback>
+            <p:sp>
+              <p:nvSpPr>
+                <p:cNvPr id="6" name="מלבן 5">
+                  <a:extLst>
+                    <a:ext uri="{FF2B5EF4-FFF2-40B4-BE49-F238E27FC236}">
+                      <a16:creationId xmlns:a16="http://schemas.microsoft.com/office/drawing/2014/main" id="{D7707EEB-B8DA-77EA-6B4B-CA40CC75A7B9}"/>
+                    </a:ext>
+                  </a:extLst>
+                </p:cNvPr>
+                <p:cNvSpPr>
+                  <a:spLocks noRot="1" noChangeAspect="1" noMove="1" noResize="1" noEditPoints="1" noAdjustHandles="1" noChangeArrowheads="1" noChangeShapeType="1" noTextEdit="1"/>
+                </p:cNvSpPr>
+                <p:nvPr/>
+              </p:nvSpPr>
+              <p:spPr>
+                <a:xfrm>
+                  <a:off x="4594687" y="2626933"/>
+                  <a:ext cx="782855" cy="397844"/>
+                </a:xfrm>
+                <a:prstGeom prst="rect">
+                  <a:avLst/>
+                </a:prstGeom>
+                <a:blipFill>
+                  <a:blip r:embed="rId5"/>
+                  <a:stretch>
+                    <a:fillRect/>
+                  </a:stretch>
+                </a:blipFill>
+              </p:spPr>
+              <p:txBody>
+                <a:bodyPr/>
+                <a:lstStyle/>
+                <a:p>
+                  <a:r>
+                    <a:rPr lang="he-IL">
+                      <a:noFill/>
+                    </a:rPr>
+                    <a:t> </a:t>
+                  </a:r>
+                </a:p>
+              </p:txBody>
+            </p:sp>
+          </mc:Fallback>
+        </mc:AlternateContent>
+        <mc:AlternateContent xmlns:mc="http://schemas.openxmlformats.org/markup-compatibility/2006">
+          <mc:Choice xmlns:a14="http://schemas.microsoft.com/office/drawing/2010/main" Requires="a14">
+            <p:sp>
+              <p:nvSpPr>
+                <p:cNvPr id="7" name="מלבן 6">
+                  <a:extLst>
+                    <a:ext uri="{FF2B5EF4-FFF2-40B4-BE49-F238E27FC236}">
+                      <a16:creationId xmlns:a16="http://schemas.microsoft.com/office/drawing/2014/main" id="{E63292C6-B41B-0502-3D5C-F860C87EA6A4}"/>
+                    </a:ext>
+                  </a:extLst>
+                </p:cNvPr>
+                <p:cNvSpPr/>
+                <p:nvPr/>
+              </p:nvSpPr>
+              <p:spPr>
+                <a:xfrm>
+                  <a:off x="5464169" y="2626933"/>
+                  <a:ext cx="782855" cy="397844"/>
+                </a:xfrm>
+                <a:prstGeom prst="rect">
+                  <a:avLst/>
+                </a:prstGeom>
+              </p:spPr>
+              <p:style>
+                <a:lnRef idx="0">
+                  <a:schemeClr val="accent4"/>
+                </a:lnRef>
+                <a:fillRef idx="3">
+                  <a:schemeClr val="accent4"/>
+                </a:fillRef>
+                <a:effectRef idx="3">
+                  <a:schemeClr val="accent4"/>
+                </a:effectRef>
+                <a:fontRef idx="minor">
+                  <a:schemeClr val="lt1"/>
+                </a:fontRef>
+              </p:style>
+              <p:txBody>
+                <a:bodyPr rtlCol="1" anchor="ctr"/>
+                <a:lstStyle/>
+                <a:p>
+                  <a:pPr algn="ctr" rtl="0"/>
+                  <a14:m>
+                    <m:oMathPara xmlns:m="http://schemas.openxmlformats.org/officeDocument/2006/math">
+                      <m:oMathParaPr>
+                        <m:jc m:val="centerGroup"/>
+                      </m:oMathParaPr>
+                      <m:oMath xmlns:m="http://schemas.openxmlformats.org/officeDocument/2006/math">
+                        <m:sSub>
+                          <m:sSubPr>
+                            <m:ctrlPr>
+                              <a:rPr lang="en-US" b="0" i="1" smtClean="0">
+                                <a:latin typeface="Cambria Math" panose="02040503050406030204" pitchFamily="18" charset="0"/>
+                              </a:rPr>
+                            </m:ctrlPr>
+                          </m:sSubPr>
+                          <m:e>
+                            <m:r>
+                              <a:rPr lang="en-US" b="0" i="1" smtClean="0">
+                                <a:latin typeface="Cambria Math" panose="02040503050406030204" pitchFamily="18" charset="0"/>
+                              </a:rPr>
+                              <m:t>𝑋</m:t>
+                            </m:r>
+                          </m:e>
+                          <m:sub>
+                            <m:r>
+                              <a:rPr lang="en-US" b="0" i="1" smtClean="0">
+                                <a:latin typeface="Cambria Math" panose="02040503050406030204" pitchFamily="18" charset="0"/>
+                              </a:rPr>
+                              <m:t>1</m:t>
+                            </m:r>
+                          </m:sub>
+                        </m:sSub>
+                      </m:oMath>
+                    </m:oMathPara>
+                  </a14:m>
+                  <a:endParaRPr lang="he-IL" dirty="0"/>
+                </a:p>
+              </p:txBody>
+            </p:sp>
+          </mc:Choice>
+          <mc:Fallback>
+            <p:sp>
+              <p:nvSpPr>
+                <p:cNvPr id="7" name="מלבן 6">
+                  <a:extLst>
+                    <a:ext uri="{FF2B5EF4-FFF2-40B4-BE49-F238E27FC236}">
+                      <a16:creationId xmlns:a16="http://schemas.microsoft.com/office/drawing/2014/main" id="{E63292C6-B41B-0502-3D5C-F860C87EA6A4}"/>
+                    </a:ext>
+                  </a:extLst>
+                </p:cNvPr>
+                <p:cNvSpPr>
+                  <a:spLocks noRot="1" noChangeAspect="1" noMove="1" noResize="1" noEditPoints="1" noAdjustHandles="1" noChangeArrowheads="1" noChangeShapeType="1" noTextEdit="1"/>
+                </p:cNvSpPr>
+                <p:nvPr/>
+              </p:nvSpPr>
+              <p:spPr>
+                <a:xfrm>
+                  <a:off x="5464169" y="2626933"/>
+                  <a:ext cx="782855" cy="397844"/>
+                </a:xfrm>
+                <a:prstGeom prst="rect">
+                  <a:avLst/>
+                </a:prstGeom>
+                <a:blipFill>
+                  <a:blip r:embed="rId6"/>
+                  <a:stretch>
+                    <a:fillRect/>
+                  </a:stretch>
+                </a:blipFill>
+              </p:spPr>
+              <p:txBody>
+                <a:bodyPr/>
+                <a:lstStyle/>
+                <a:p>
+                  <a:r>
+                    <a:rPr lang="he-IL">
+                      <a:noFill/>
+                    </a:rPr>
+                    <a:t> </a:t>
+                  </a:r>
+                </a:p>
+              </p:txBody>
+            </p:sp>
+          </mc:Fallback>
+        </mc:AlternateContent>
+        <mc:AlternateContent xmlns:mc="http://schemas.openxmlformats.org/markup-compatibility/2006">
+          <mc:Choice xmlns:a14="http://schemas.microsoft.com/office/drawing/2010/main" Requires="a14">
+            <p:sp>
+              <p:nvSpPr>
+                <p:cNvPr id="8" name="מלבן 7">
+                  <a:extLst>
+                    <a:ext uri="{FF2B5EF4-FFF2-40B4-BE49-F238E27FC236}">
+                      <a16:creationId xmlns:a16="http://schemas.microsoft.com/office/drawing/2014/main" id="{A725ED72-4EE0-124B-922B-34811D8D7F6F}"/>
+                    </a:ext>
+                  </a:extLst>
+                </p:cNvPr>
+                <p:cNvSpPr/>
+                <p:nvPr/>
+              </p:nvSpPr>
+              <p:spPr>
+                <a:xfrm>
+                  <a:off x="6333651" y="2626933"/>
+                  <a:ext cx="782855" cy="397844"/>
+                </a:xfrm>
+                <a:prstGeom prst="rect">
+                  <a:avLst/>
+                </a:prstGeom>
+              </p:spPr>
+              <p:style>
+                <a:lnRef idx="0">
+                  <a:schemeClr val="accent4"/>
+                </a:lnRef>
+                <a:fillRef idx="3">
+                  <a:schemeClr val="accent4"/>
+                </a:fillRef>
+                <a:effectRef idx="3">
+                  <a:schemeClr val="accent4"/>
+                </a:effectRef>
+                <a:fontRef idx="minor">
+                  <a:schemeClr val="lt1"/>
+                </a:fontRef>
+              </p:style>
+              <p:txBody>
+                <a:bodyPr rtlCol="1" anchor="ctr"/>
+                <a:lstStyle/>
+                <a:p>
+                  <a:pPr algn="ctr" rtl="0"/>
+                  <a14:m>
+                    <m:oMathPara xmlns:m="http://schemas.openxmlformats.org/officeDocument/2006/math">
+                      <m:oMathParaPr>
+                        <m:jc m:val="centerGroup"/>
+                      </m:oMathParaPr>
+                      <m:oMath xmlns:m="http://schemas.openxmlformats.org/officeDocument/2006/math">
+                        <m:sSub>
+                          <m:sSubPr>
+                            <m:ctrlPr>
+                              <a:rPr lang="en-US" b="0" i="1" smtClean="0">
+                                <a:latin typeface="Cambria Math" panose="02040503050406030204" pitchFamily="18" charset="0"/>
+                              </a:rPr>
+                            </m:ctrlPr>
+                          </m:sSubPr>
+                          <m:e>
+                            <m:r>
+                              <a:rPr lang="en-US" b="0" i="1" smtClean="0">
+                                <a:latin typeface="Cambria Math" panose="02040503050406030204" pitchFamily="18" charset="0"/>
+                              </a:rPr>
+                              <m:t>𝑋</m:t>
+                            </m:r>
+                          </m:e>
+                          <m:sub>
+                            <m:r>
+                              <a:rPr lang="en-US" b="0" i="1" smtClean="0">
+                                <a:latin typeface="Cambria Math" panose="02040503050406030204" pitchFamily="18" charset="0"/>
+                              </a:rPr>
+                              <m:t>2</m:t>
+                            </m:r>
+                          </m:sub>
+                        </m:sSub>
+                      </m:oMath>
+                    </m:oMathPara>
+                  </a14:m>
+                  <a:endParaRPr lang="he-IL" dirty="0"/>
+                </a:p>
+              </p:txBody>
+            </p:sp>
+          </mc:Choice>
+          <mc:Fallback>
+            <p:sp>
+              <p:nvSpPr>
+                <p:cNvPr id="8" name="מלבן 7">
+                  <a:extLst>
+                    <a:ext uri="{FF2B5EF4-FFF2-40B4-BE49-F238E27FC236}">
+                      <a16:creationId xmlns:a16="http://schemas.microsoft.com/office/drawing/2014/main" id="{A725ED72-4EE0-124B-922B-34811D8D7F6F}"/>
+                    </a:ext>
+                  </a:extLst>
+                </p:cNvPr>
+                <p:cNvSpPr>
+                  <a:spLocks noRot="1" noChangeAspect="1" noMove="1" noResize="1" noEditPoints="1" noAdjustHandles="1" noChangeArrowheads="1" noChangeShapeType="1" noTextEdit="1"/>
+                </p:cNvSpPr>
+                <p:nvPr/>
+              </p:nvSpPr>
+              <p:spPr>
+                <a:xfrm>
+                  <a:off x="6333651" y="2626933"/>
+                  <a:ext cx="782855" cy="397844"/>
+                </a:xfrm>
+                <a:prstGeom prst="rect">
+                  <a:avLst/>
+                </a:prstGeom>
+                <a:blipFill>
+                  <a:blip r:embed="rId7"/>
+                  <a:stretch>
+                    <a:fillRect/>
+                  </a:stretch>
+                </a:blipFill>
+              </p:spPr>
+              <p:txBody>
+                <a:bodyPr/>
+                <a:lstStyle/>
+                <a:p>
+                  <a:r>
+                    <a:rPr lang="he-IL">
+                      <a:noFill/>
+                    </a:rPr>
+                    <a:t> </a:t>
+                  </a:r>
+                </a:p>
+              </p:txBody>
+            </p:sp>
+          </mc:Fallback>
+        </mc:AlternateContent>
+        <mc:AlternateContent xmlns:mc="http://schemas.openxmlformats.org/markup-compatibility/2006">
+          <mc:Choice xmlns:a14="http://schemas.microsoft.com/office/drawing/2010/main" Requires="a14">
+            <p:sp>
+              <p:nvSpPr>
+                <p:cNvPr id="9" name="מלבן 8">
+                  <a:extLst>
+                    <a:ext uri="{FF2B5EF4-FFF2-40B4-BE49-F238E27FC236}">
+                      <a16:creationId xmlns:a16="http://schemas.microsoft.com/office/drawing/2014/main" id="{E5CDB465-69C0-9BD8-A04F-FFA872407AF9}"/>
+                    </a:ext>
+                  </a:extLst>
+                </p:cNvPr>
+                <p:cNvSpPr/>
+                <p:nvPr/>
+              </p:nvSpPr>
+              <p:spPr>
+                <a:xfrm>
+                  <a:off x="7203133" y="2626933"/>
+                  <a:ext cx="782855" cy="397844"/>
+                </a:xfrm>
+                <a:prstGeom prst="rect">
+                  <a:avLst/>
+                </a:prstGeom>
+              </p:spPr>
+              <p:style>
+                <a:lnRef idx="0">
+                  <a:schemeClr val="accent4"/>
+                </a:lnRef>
+                <a:fillRef idx="3">
+                  <a:schemeClr val="accent4"/>
+                </a:fillRef>
+                <a:effectRef idx="3">
+                  <a:schemeClr val="accent4"/>
+                </a:effectRef>
+                <a:fontRef idx="minor">
+                  <a:schemeClr val="lt1"/>
+                </a:fontRef>
+              </p:style>
+              <p:txBody>
+                <a:bodyPr rtlCol="1" anchor="ctr"/>
+                <a:lstStyle/>
+                <a:p>
+                  <a:pPr algn="ctr" rtl="0"/>
+                  <a14:m>
+                    <m:oMathPara xmlns:m="http://schemas.openxmlformats.org/officeDocument/2006/math">
+                      <m:oMathParaPr>
+                        <m:jc m:val="centerGroup"/>
+                      </m:oMathParaPr>
+                      <m:oMath xmlns:m="http://schemas.openxmlformats.org/officeDocument/2006/math">
+                        <m:sSub>
+                          <m:sSubPr>
+                            <m:ctrlPr>
+                              <a:rPr lang="en-US" b="0" i="1" smtClean="0">
+                                <a:latin typeface="Cambria Math" panose="02040503050406030204" pitchFamily="18" charset="0"/>
+                              </a:rPr>
+                            </m:ctrlPr>
+                          </m:sSubPr>
+                          <m:e>
+                            <m:r>
+                              <a:rPr lang="en-US" b="0" i="1" smtClean="0">
+                                <a:latin typeface="Cambria Math" panose="02040503050406030204" pitchFamily="18" charset="0"/>
+                              </a:rPr>
+                              <m:t>𝑋</m:t>
+                            </m:r>
+                          </m:e>
+                          <m:sub>
+                            <m:r>
+                              <a:rPr lang="en-US" b="0" i="1" smtClean="0">
+                                <a:latin typeface="Cambria Math" panose="02040503050406030204" pitchFamily="18" charset="0"/>
+                              </a:rPr>
+                              <m:t>3</m:t>
+                            </m:r>
+                          </m:sub>
+                        </m:sSub>
+                      </m:oMath>
+                    </m:oMathPara>
+                  </a14:m>
+                  <a:endParaRPr lang="he-IL" dirty="0"/>
+                </a:p>
+              </p:txBody>
+            </p:sp>
+          </mc:Choice>
+          <mc:Fallback>
+            <p:sp>
+              <p:nvSpPr>
+                <p:cNvPr id="9" name="מלבן 8">
+                  <a:extLst>
+                    <a:ext uri="{FF2B5EF4-FFF2-40B4-BE49-F238E27FC236}">
+                      <a16:creationId xmlns:a16="http://schemas.microsoft.com/office/drawing/2014/main" id="{E5CDB465-69C0-9BD8-A04F-FFA872407AF9}"/>
+                    </a:ext>
+                  </a:extLst>
+                </p:cNvPr>
+                <p:cNvSpPr>
+                  <a:spLocks noRot="1" noChangeAspect="1" noMove="1" noResize="1" noEditPoints="1" noAdjustHandles="1" noChangeArrowheads="1" noChangeShapeType="1" noTextEdit="1"/>
+                </p:cNvSpPr>
+                <p:nvPr/>
+              </p:nvSpPr>
+              <p:spPr>
+                <a:xfrm>
+                  <a:off x="7203133" y="2626933"/>
+                  <a:ext cx="782855" cy="397844"/>
+                </a:xfrm>
+                <a:prstGeom prst="rect">
+                  <a:avLst/>
+                </a:prstGeom>
+                <a:blipFill>
+                  <a:blip r:embed="rId8"/>
+                  <a:stretch>
+                    <a:fillRect/>
+                  </a:stretch>
+                </a:blipFill>
+              </p:spPr>
+              <p:txBody>
+                <a:bodyPr/>
+                <a:lstStyle/>
+                <a:p>
+                  <a:r>
+                    <a:rPr lang="he-IL">
+                      <a:noFill/>
+                    </a:rPr>
+                    <a:t> </a:t>
+                  </a:r>
+                </a:p>
+              </p:txBody>
+            </p:sp>
+          </mc:Fallback>
+        </mc:AlternateContent>
+        <p:sp>
+          <p:nvSpPr>
+            <p:cNvPr id="10" name="מלבן 9">
+              <a:extLst>
+                <a:ext uri="{FF2B5EF4-FFF2-40B4-BE49-F238E27FC236}">
+                  <a16:creationId xmlns:a16="http://schemas.microsoft.com/office/drawing/2014/main" id="{AB2C88CC-7D8F-F29A-7A82-FBE4A5938FDE}"/>
+                </a:ext>
+              </a:extLst>
+            </p:cNvPr>
+            <p:cNvSpPr/>
+            <p:nvPr/>
+          </p:nvSpPr>
+          <p:spPr>
+            <a:xfrm>
+              <a:off x="4594687" y="1793813"/>
+              <a:ext cx="3391301" cy="397844"/>
+            </a:xfrm>
+            <a:prstGeom prst="rect">
+              <a:avLst/>
+            </a:prstGeom>
+          </p:spPr>
+          <p:style>
+            <a:lnRef idx="0">
+              <a:schemeClr val="accent4"/>
+            </a:lnRef>
+            <a:fillRef idx="3">
+              <a:schemeClr val="accent4"/>
+            </a:fillRef>
+            <a:effectRef idx="3">
+              <a:schemeClr val="accent4"/>
+            </a:effectRef>
+            <a:fontRef idx="minor">
+              <a:schemeClr val="lt1"/>
+            </a:fontRef>
+          </p:style>
+          <p:txBody>
+            <a:bodyPr rtlCol="1" anchor="ctr"/>
+            <a:lstStyle/>
+            <a:p>
+              <a:pPr algn="ctr"/>
+              <a:r>
+                <a:rPr lang="en-US" dirty="0"/>
+                <a:t>Plaintext</a:t>
+              </a:r>
+              <a:endParaRPr lang="he-IL" dirty="0"/>
+            </a:p>
+          </p:txBody>
+        </p:sp>
+        <p:sp>
+          <p:nvSpPr>
+            <p:cNvPr id="11" name="חץ: למטה 10">
+              <a:extLst>
+                <a:ext uri="{FF2B5EF4-FFF2-40B4-BE49-F238E27FC236}">
+                  <a16:creationId xmlns:a16="http://schemas.microsoft.com/office/drawing/2014/main" id="{C1C3C3AF-18E3-73A9-60BA-E38649B7AB2E}"/>
+                </a:ext>
+              </a:extLst>
+            </p:cNvPr>
+            <p:cNvSpPr/>
+            <p:nvPr/>
+          </p:nvSpPr>
+          <p:spPr>
+            <a:xfrm>
+              <a:off x="4851494" y="2244195"/>
+              <a:ext cx="269240" cy="330200"/>
+            </a:xfrm>
+            <a:prstGeom prst="downArrow">
+              <a:avLst/>
+            </a:prstGeom>
+          </p:spPr>
+          <p:style>
+            <a:lnRef idx="3">
+              <a:schemeClr val="lt1"/>
+            </a:lnRef>
+            <a:fillRef idx="1">
+              <a:schemeClr val="accent4"/>
+            </a:fillRef>
+            <a:effectRef idx="1">
+              <a:schemeClr val="accent4"/>
+            </a:effectRef>
+            <a:fontRef idx="minor">
+              <a:schemeClr val="lt1"/>
+            </a:fontRef>
+          </p:style>
+          <p:txBody>
+            <a:bodyPr rtlCol="1" anchor="ctr"/>
+            <a:lstStyle/>
+            <a:p>
+              <a:pPr algn="ctr"/>
+              <a:endParaRPr lang="he-IL"/>
+            </a:p>
+          </p:txBody>
+        </p:sp>
+        <p:sp>
+          <p:nvSpPr>
+            <p:cNvPr id="12" name="חץ: למטה 11">
+              <a:extLst>
+                <a:ext uri="{FF2B5EF4-FFF2-40B4-BE49-F238E27FC236}">
+                  <a16:creationId xmlns:a16="http://schemas.microsoft.com/office/drawing/2014/main" id="{1678669D-5200-BE31-1A4E-83AE2D068785}"/>
+                </a:ext>
+              </a:extLst>
+            </p:cNvPr>
+            <p:cNvSpPr/>
+            <p:nvPr/>
+          </p:nvSpPr>
+          <p:spPr>
+            <a:xfrm>
+              <a:off x="5720976" y="2244195"/>
+              <a:ext cx="269240" cy="330200"/>
+            </a:xfrm>
+            <a:prstGeom prst="downArrow">
+              <a:avLst/>
+            </a:prstGeom>
+          </p:spPr>
+          <p:style>
+            <a:lnRef idx="3">
+              <a:schemeClr val="lt1"/>
+            </a:lnRef>
+            <a:fillRef idx="1">
+              <a:schemeClr val="accent4"/>
+            </a:fillRef>
+            <a:effectRef idx="1">
+              <a:schemeClr val="accent4"/>
+            </a:effectRef>
+            <a:fontRef idx="minor">
+              <a:schemeClr val="lt1"/>
+            </a:fontRef>
+          </p:style>
+          <p:txBody>
+            <a:bodyPr rtlCol="1" anchor="ctr"/>
+            <a:lstStyle/>
+            <a:p>
+              <a:pPr algn="ctr"/>
+              <a:endParaRPr lang="he-IL"/>
+            </a:p>
+          </p:txBody>
+        </p:sp>
+        <p:sp>
+          <p:nvSpPr>
+            <p:cNvPr id="13" name="חץ: למטה 12">
+              <a:extLst>
+                <a:ext uri="{FF2B5EF4-FFF2-40B4-BE49-F238E27FC236}">
+                  <a16:creationId xmlns:a16="http://schemas.microsoft.com/office/drawing/2014/main" id="{F3A370A5-9BD4-E8E2-727E-EC479B6003DB}"/>
+                </a:ext>
+              </a:extLst>
+            </p:cNvPr>
+            <p:cNvSpPr/>
+            <p:nvPr/>
+          </p:nvSpPr>
+          <p:spPr>
+            <a:xfrm>
+              <a:off x="6590458" y="2244195"/>
+              <a:ext cx="269240" cy="330200"/>
+            </a:xfrm>
+            <a:prstGeom prst="downArrow">
+              <a:avLst/>
+            </a:prstGeom>
+          </p:spPr>
+          <p:style>
+            <a:lnRef idx="3">
+              <a:schemeClr val="lt1"/>
+            </a:lnRef>
+            <a:fillRef idx="1">
+              <a:schemeClr val="accent4"/>
+            </a:fillRef>
+            <a:effectRef idx="1">
+              <a:schemeClr val="accent4"/>
+            </a:effectRef>
+            <a:fontRef idx="minor">
+              <a:schemeClr val="lt1"/>
+            </a:fontRef>
+          </p:style>
+          <p:txBody>
+            <a:bodyPr rtlCol="1" anchor="ctr"/>
+            <a:lstStyle/>
+            <a:p>
+              <a:pPr algn="ctr"/>
+              <a:endParaRPr lang="he-IL"/>
+            </a:p>
+          </p:txBody>
+        </p:sp>
+        <p:sp>
+          <p:nvSpPr>
+            <p:cNvPr id="14" name="חץ: למטה 13">
+              <a:extLst>
+                <a:ext uri="{FF2B5EF4-FFF2-40B4-BE49-F238E27FC236}">
+                  <a16:creationId xmlns:a16="http://schemas.microsoft.com/office/drawing/2014/main" id="{881126E7-75C8-0754-4C68-9F5BE68F6C67}"/>
+                </a:ext>
+              </a:extLst>
+            </p:cNvPr>
+            <p:cNvSpPr/>
+            <p:nvPr/>
+          </p:nvSpPr>
+          <p:spPr>
+            <a:xfrm>
+              <a:off x="7459940" y="2244195"/>
+              <a:ext cx="269240" cy="330200"/>
+            </a:xfrm>
+            <a:prstGeom prst="downArrow">
+              <a:avLst/>
+            </a:prstGeom>
+          </p:spPr>
+          <p:style>
+            <a:lnRef idx="3">
+              <a:schemeClr val="lt1"/>
+            </a:lnRef>
+            <a:fillRef idx="1">
+              <a:schemeClr val="accent4"/>
+            </a:fillRef>
+            <a:effectRef idx="1">
+              <a:schemeClr val="accent4"/>
+            </a:effectRef>
+            <a:fontRef idx="minor">
+              <a:schemeClr val="lt1"/>
+            </a:fontRef>
+          </p:style>
+          <p:txBody>
+            <a:bodyPr rtlCol="1" anchor="ctr"/>
+            <a:lstStyle/>
+            <a:p>
+              <a:pPr algn="ctr"/>
+              <a:endParaRPr lang="he-IL"/>
+            </a:p>
+          </p:txBody>
+        </p:sp>
+      </p:grpSp>
+      <p:cxnSp>
+        <p:nvCxnSpPr>
+          <p:cNvPr id="17" name="מחבר חץ ישר 16">
+            <a:extLst>
+              <a:ext uri="{FF2B5EF4-FFF2-40B4-BE49-F238E27FC236}">
+                <a16:creationId xmlns:a16="http://schemas.microsoft.com/office/drawing/2014/main" id="{548A921D-33F8-9E18-0626-6057EF62CB2C}"/>
+              </a:ext>
+            </a:extLst>
+          </p:cNvPr>
+          <p:cNvCxnSpPr>
+            <a:stCxn id="6" idx="2"/>
+          </p:cNvCxnSpPr>
+          <p:nvPr/>
+        </p:nvCxnSpPr>
+        <p:spPr>
+          <a:xfrm flipH="1">
+            <a:off x="5670885" y="2218279"/>
+            <a:ext cx="1638436" cy="483402"/>
+          </a:xfrm>
+          <a:prstGeom prst="straightConnector1">
+            <a:avLst/>
+          </a:prstGeom>
+          <a:ln>
+            <a:tailEnd type="triangle"/>
+          </a:ln>
+        </p:spPr>
+        <p:style>
+          <a:lnRef idx="2">
+            <a:schemeClr val="accent1"/>
+          </a:lnRef>
+          <a:fillRef idx="0">
+            <a:schemeClr val="accent1"/>
+          </a:fillRef>
+          <a:effectRef idx="1">
+            <a:schemeClr val="accent1"/>
+          </a:effectRef>
+          <a:fontRef idx="minor">
+            <a:schemeClr val="tx1"/>
+          </a:fontRef>
+        </p:style>
+      </p:cxnSp>
+      <p:cxnSp>
+        <p:nvCxnSpPr>
+          <p:cNvPr id="18" name="מחבר חץ ישר 17">
+            <a:extLst>
+              <a:ext uri="{FF2B5EF4-FFF2-40B4-BE49-F238E27FC236}">
+                <a16:creationId xmlns:a16="http://schemas.microsoft.com/office/drawing/2014/main" id="{D68AACC7-4019-F50A-B41F-1CB45AFBCF18}"/>
+              </a:ext>
+            </a:extLst>
+          </p:cNvPr>
+          <p:cNvCxnSpPr>
+            <a:cxnSpLocks/>
+            <a:stCxn id="7" idx="2"/>
+          </p:cNvCxnSpPr>
+          <p:nvPr/>
+        </p:nvCxnSpPr>
+        <p:spPr>
+          <a:xfrm>
+            <a:off x="8178803" y="2218279"/>
+            <a:ext cx="620293" cy="435276"/>
+          </a:xfrm>
+          <a:prstGeom prst="straightConnector1">
+            <a:avLst/>
+          </a:prstGeom>
+          <a:ln>
+            <a:tailEnd type="triangle"/>
+          </a:ln>
+        </p:spPr>
+        <p:style>
+          <a:lnRef idx="2">
+            <a:schemeClr val="accent1"/>
+          </a:lnRef>
+          <a:fillRef idx="0">
+            <a:schemeClr val="accent1"/>
+          </a:fillRef>
+          <a:effectRef idx="1">
+            <a:schemeClr val="accent1"/>
+          </a:effectRef>
+          <a:fontRef idx="minor">
+            <a:schemeClr val="tx1"/>
+          </a:fontRef>
+        </p:style>
+      </p:cxnSp>
+      <p:cxnSp>
+        <p:nvCxnSpPr>
+          <p:cNvPr id="23" name="מחבר חץ ישר 22">
+            <a:extLst>
+              <a:ext uri="{FF2B5EF4-FFF2-40B4-BE49-F238E27FC236}">
+                <a16:creationId xmlns:a16="http://schemas.microsoft.com/office/drawing/2014/main" id="{CFD2BBBD-41D0-648F-22B3-F37F902B948C}"/>
+              </a:ext>
+            </a:extLst>
+          </p:cNvPr>
+          <p:cNvCxnSpPr>
+            <a:cxnSpLocks/>
+            <a:stCxn id="8" idx="2"/>
+          </p:cNvCxnSpPr>
+          <p:nvPr/>
+        </p:nvCxnSpPr>
+        <p:spPr>
+          <a:xfrm>
+            <a:off x="9048285" y="2218279"/>
+            <a:ext cx="869481" cy="484910"/>
+          </a:xfrm>
+          <a:prstGeom prst="straightConnector1">
+            <a:avLst/>
+          </a:prstGeom>
+          <a:ln>
+            <a:tailEnd type="triangle"/>
+          </a:ln>
+        </p:spPr>
+        <p:style>
+          <a:lnRef idx="2">
+            <a:schemeClr val="accent1"/>
+          </a:lnRef>
+          <a:fillRef idx="0">
+            <a:schemeClr val="accent1"/>
+          </a:fillRef>
+          <a:effectRef idx="1">
+            <a:schemeClr val="accent1"/>
+          </a:effectRef>
+          <a:fontRef idx="minor">
+            <a:schemeClr val="tx1"/>
+          </a:fontRef>
+        </p:style>
+      </p:cxnSp>
+      <p:cxnSp>
+        <p:nvCxnSpPr>
+          <p:cNvPr id="25" name="מחבר חץ ישר 24">
+            <a:extLst>
+              <a:ext uri="{FF2B5EF4-FFF2-40B4-BE49-F238E27FC236}">
+                <a16:creationId xmlns:a16="http://schemas.microsoft.com/office/drawing/2014/main" id="{30D08887-4462-819C-7971-183599A2A43D}"/>
+              </a:ext>
+            </a:extLst>
+          </p:cNvPr>
+          <p:cNvCxnSpPr>
+            <a:cxnSpLocks/>
+            <a:stCxn id="9" idx="2"/>
+          </p:cNvCxnSpPr>
+          <p:nvPr/>
+        </p:nvCxnSpPr>
+        <p:spPr>
+          <a:xfrm>
+            <a:off x="9917767" y="2218279"/>
+            <a:ext cx="1132908" cy="459339"/>
+          </a:xfrm>
+          <a:prstGeom prst="straightConnector1">
+            <a:avLst/>
+          </a:prstGeom>
+          <a:ln>
+            <a:tailEnd type="triangle"/>
+          </a:ln>
+        </p:spPr>
+        <p:style>
+          <a:lnRef idx="2">
+            <a:schemeClr val="accent1"/>
+          </a:lnRef>
+          <a:fillRef idx="0">
+            <a:schemeClr val="accent1"/>
+          </a:fillRef>
+          <a:effectRef idx="1">
+            <a:schemeClr val="accent1"/>
+          </a:effectRef>
+          <a:fontRef idx="minor">
+            <a:schemeClr val="tx1"/>
+          </a:fontRef>
+        </p:style>
+      </p:cxnSp>
+      <p:sp>
+        <p:nvSpPr>
+          <p:cNvPr id="29" name="מלבן 28">
+            <a:extLst>
+              <a:ext uri="{FF2B5EF4-FFF2-40B4-BE49-F238E27FC236}">
+                <a16:creationId xmlns:a16="http://schemas.microsoft.com/office/drawing/2014/main" id="{2E760180-41F1-5D2F-C60E-2A4589FAA2E8}"/>
+              </a:ext>
+            </a:extLst>
+          </p:cNvPr>
+          <p:cNvSpPr/>
+          <p:nvPr/>
+        </p:nvSpPr>
+        <p:spPr>
+          <a:xfrm>
+            <a:off x="10067894" y="2029747"/>
+            <a:ext cx="241300" cy="188532"/>
+          </a:xfrm>
+          <a:prstGeom prst="rect">
+            <a:avLst/>
+          </a:prstGeom>
+          <a:ln/>
+        </p:spPr>
+        <p:style>
+          <a:lnRef idx="1">
+            <a:schemeClr val="accent1"/>
+          </a:lnRef>
+          <a:fillRef idx="3">
+            <a:schemeClr val="accent1"/>
+          </a:fillRef>
+          <a:effectRef idx="2">
+            <a:schemeClr val="accent1"/>
+          </a:effectRef>
+          <a:fontRef idx="minor">
+            <a:schemeClr val="lt1"/>
+          </a:fontRef>
+        </p:style>
+        <p:txBody>
+          <a:bodyPr lIns="0" tIns="0" rIns="0" bIns="0" rtlCol="1" anchor="ctr"/>
+          <a:lstStyle/>
+          <a:p>
+            <a:pPr algn="ctr"/>
+            <a:r>
+              <a:rPr lang="en-US" sz="1100" dirty="0"/>
+              <a:t>32</a:t>
+            </a:r>
+            <a:endParaRPr lang="he-IL" sz="1100" dirty="0"/>
+          </a:p>
+        </p:txBody>
+      </p:sp>
+      <p:sp>
+        <p:nvSpPr>
+          <p:cNvPr id="30" name="מלבן 29">
+            <a:extLst>
+              <a:ext uri="{FF2B5EF4-FFF2-40B4-BE49-F238E27FC236}">
+                <a16:creationId xmlns:a16="http://schemas.microsoft.com/office/drawing/2014/main" id="{C65C4480-C464-C74A-99C2-A1009EDB2465}"/>
+              </a:ext>
+            </a:extLst>
+          </p:cNvPr>
+          <p:cNvSpPr/>
+          <p:nvPr/>
+        </p:nvSpPr>
+        <p:spPr>
+          <a:xfrm>
+            <a:off x="10067894" y="1196627"/>
+            <a:ext cx="241300" cy="188532"/>
+          </a:xfrm>
+          <a:prstGeom prst="rect">
+            <a:avLst/>
+          </a:prstGeom>
+          <a:ln/>
+        </p:spPr>
+        <p:style>
+          <a:lnRef idx="1">
+            <a:schemeClr val="accent1"/>
+          </a:lnRef>
+          <a:fillRef idx="3">
+            <a:schemeClr val="accent1"/>
+          </a:fillRef>
+          <a:effectRef idx="2">
+            <a:schemeClr val="accent1"/>
+          </a:effectRef>
+          <a:fontRef idx="minor">
+            <a:schemeClr val="lt1"/>
+          </a:fontRef>
+        </p:style>
+        <p:txBody>
+          <a:bodyPr lIns="0" tIns="0" rIns="0" bIns="0" rtlCol="1" anchor="ctr"/>
+          <a:lstStyle/>
+          <a:p>
+            <a:pPr algn="ctr"/>
+            <a:r>
+              <a:rPr lang="en-US" sz="1100" dirty="0"/>
+              <a:t>128</a:t>
+            </a:r>
+            <a:endParaRPr lang="he-IL" sz="1100" dirty="0"/>
+          </a:p>
+        </p:txBody>
+      </p:sp>
+      <p:sp>
+        <p:nvSpPr>
+          <p:cNvPr id="31" name="מלבן 30">
+            <a:extLst>
+              <a:ext uri="{FF2B5EF4-FFF2-40B4-BE49-F238E27FC236}">
+                <a16:creationId xmlns:a16="http://schemas.microsoft.com/office/drawing/2014/main" id="{BD113FE9-B750-7F64-FFB0-094BECF71C77}"/>
+              </a:ext>
+            </a:extLst>
+          </p:cNvPr>
+          <p:cNvSpPr/>
+          <p:nvPr/>
+        </p:nvSpPr>
+        <p:spPr>
+          <a:xfrm>
+            <a:off x="9182904" y="2021533"/>
+            <a:ext cx="241300" cy="188532"/>
+          </a:xfrm>
+          <a:prstGeom prst="rect">
+            <a:avLst/>
+          </a:prstGeom>
+          <a:ln/>
+        </p:spPr>
+        <p:style>
+          <a:lnRef idx="1">
+            <a:schemeClr val="accent1"/>
+          </a:lnRef>
+          <a:fillRef idx="3">
+            <a:schemeClr val="accent1"/>
+          </a:fillRef>
+          <a:effectRef idx="2">
+            <a:schemeClr val="accent1"/>
+          </a:effectRef>
+          <a:fontRef idx="minor">
+            <a:schemeClr val="lt1"/>
+          </a:fontRef>
+        </p:style>
+        <p:txBody>
+          <a:bodyPr lIns="0" tIns="0" rIns="0" bIns="0" rtlCol="1" anchor="ctr"/>
+          <a:lstStyle/>
+          <a:p>
+            <a:pPr algn="ctr"/>
+            <a:r>
+              <a:rPr lang="en-US" sz="1100" dirty="0"/>
+              <a:t>32</a:t>
+            </a:r>
+            <a:endParaRPr lang="he-IL" sz="1100" dirty="0"/>
+          </a:p>
+        </p:txBody>
+      </p:sp>
+      <p:sp>
+        <p:nvSpPr>
+          <p:cNvPr id="32" name="מלבן 31">
+            <a:extLst>
+              <a:ext uri="{FF2B5EF4-FFF2-40B4-BE49-F238E27FC236}">
+                <a16:creationId xmlns:a16="http://schemas.microsoft.com/office/drawing/2014/main" id="{2D2E782B-3F3C-1DAD-F0B4-8CDEC2C4E9DA}"/>
+              </a:ext>
+            </a:extLst>
+          </p:cNvPr>
+          <p:cNvSpPr/>
+          <p:nvPr/>
+        </p:nvSpPr>
+        <p:spPr>
+          <a:xfrm>
+            <a:off x="8320543" y="2029747"/>
+            <a:ext cx="241300" cy="188532"/>
+          </a:xfrm>
+          <a:prstGeom prst="rect">
+            <a:avLst/>
+          </a:prstGeom>
+          <a:ln/>
+        </p:spPr>
+        <p:style>
+          <a:lnRef idx="1">
+            <a:schemeClr val="accent1"/>
+          </a:lnRef>
+          <a:fillRef idx="3">
+            <a:schemeClr val="accent1"/>
+          </a:fillRef>
+          <a:effectRef idx="2">
+            <a:schemeClr val="accent1"/>
+          </a:effectRef>
+          <a:fontRef idx="minor">
+            <a:schemeClr val="lt1"/>
+          </a:fontRef>
+        </p:style>
+        <p:txBody>
+          <a:bodyPr lIns="0" tIns="0" rIns="0" bIns="0" rtlCol="1" anchor="ctr"/>
+          <a:lstStyle/>
+          <a:p>
+            <a:pPr algn="ctr"/>
+            <a:r>
+              <a:rPr lang="en-US" sz="1100" dirty="0"/>
+              <a:t>32</a:t>
+            </a:r>
+            <a:endParaRPr lang="he-IL" sz="1100" dirty="0"/>
+          </a:p>
+        </p:txBody>
+      </p:sp>
+      <p:sp>
+        <p:nvSpPr>
+          <p:cNvPr id="33" name="מלבן 32">
+            <a:extLst>
+              <a:ext uri="{FF2B5EF4-FFF2-40B4-BE49-F238E27FC236}">
+                <a16:creationId xmlns:a16="http://schemas.microsoft.com/office/drawing/2014/main" id="{A2B34572-94CA-AF0A-5E04-4B24A33E4E78}"/>
+              </a:ext>
+            </a:extLst>
+          </p:cNvPr>
+          <p:cNvSpPr/>
+          <p:nvPr/>
+        </p:nvSpPr>
+        <p:spPr>
+          <a:xfrm>
+            <a:off x="7454069" y="2039610"/>
+            <a:ext cx="241300" cy="188532"/>
+          </a:xfrm>
+          <a:prstGeom prst="rect">
+            <a:avLst/>
+          </a:prstGeom>
+          <a:ln/>
+        </p:spPr>
+        <p:style>
+          <a:lnRef idx="1">
+            <a:schemeClr val="accent1"/>
+          </a:lnRef>
+          <a:fillRef idx="3">
+            <a:schemeClr val="accent1"/>
+          </a:fillRef>
+          <a:effectRef idx="2">
+            <a:schemeClr val="accent1"/>
+          </a:effectRef>
+          <a:fontRef idx="minor">
+            <a:schemeClr val="lt1"/>
+          </a:fontRef>
+        </p:style>
+        <p:txBody>
+          <a:bodyPr lIns="0" tIns="0" rIns="0" bIns="0" rtlCol="1" anchor="ctr"/>
+          <a:lstStyle/>
+          <a:p>
+            <a:pPr algn="ctr"/>
+            <a:r>
+              <a:rPr lang="en-US" sz="1100" dirty="0"/>
+              <a:t>32</a:t>
+            </a:r>
+            <a:endParaRPr lang="he-IL" sz="1100" dirty="0"/>
+          </a:p>
+        </p:txBody>
+      </p:sp>
+      <p:pic>
+        <p:nvPicPr>
+          <p:cNvPr id="36" name="תמונה 35">
+            <a:extLst>
+              <a:ext uri="{FF2B5EF4-FFF2-40B4-BE49-F238E27FC236}">
+                <a16:creationId xmlns:a16="http://schemas.microsoft.com/office/drawing/2014/main" id="{14D729C2-81C5-A102-938D-6A11A8200E4E}"/>
+              </a:ext>
+            </a:extLst>
+          </p:cNvPr>
+          <p:cNvPicPr>
+            <a:picLocks noChangeAspect="1"/>
+          </p:cNvPicPr>
+          <p:nvPr/>
+        </p:nvPicPr>
+        <p:blipFill>
+          <a:blip r:embed="rId9"/>
+          <a:stretch>
+            <a:fillRect/>
+          </a:stretch>
+        </p:blipFill>
+        <p:spPr>
+          <a:xfrm>
+            <a:off x="769392" y="1744159"/>
+            <a:ext cx="5336301" cy="397844"/>
+          </a:xfrm>
+          <a:prstGeom prst="rect">
+            <a:avLst/>
+          </a:prstGeom>
+        </p:spPr>
+      </p:pic>
+    </p:spTree>
+    <p:extLst>
+      <p:ext uri="{BB962C8B-B14F-4D97-AF65-F5344CB8AC3E}">
+        <p14:creationId xmlns:p14="http://schemas.microsoft.com/office/powerpoint/2010/main" val="3294855315"/>
+      </p:ext>
+    </p:extLst>
+  </p:cSld>
+  <p:clrMapOvr>
+    <a:masterClrMapping/>
+  </p:clrMapOvr>
+</p:sld>
+</file>
+
+<file path=ppt/slides/slide8.xml><?xml version="1.0" encoding="utf-8"?>
 <p:sld xmlns:a="http://schemas.openxmlformats.org/drawingml/2006/main" xmlns:r="http://schemas.openxmlformats.org/officeDocument/2006/relationships" xmlns:p="http://schemas.openxmlformats.org/presentationml/2006/main">
   <p:cSld>
     <p:spTree>
@@ -4156,35 +6138,42 @@
                 <p:ph type="title"/>
               </p:nvPr>
             </p:nvSpPr>
-            <p:spPr/>
+            <p:spPr>
+              <a:xfrm>
+                <a:off x="464685" y="136152"/>
+                <a:ext cx="2790144" cy="1325563"/>
+              </a:xfrm>
+            </p:spPr>
             <p:txBody>
-              <a:bodyPr/>
+              <a:bodyPr>
+                <a:normAutofit fontScale="90000"/>
+              </a:bodyPr>
               <a:lstStyle/>
               <a:p>
                 <a:pPr algn="l" rtl="0"/>
                 <a14:m>
                   <m:oMathPara xmlns:m="http://schemas.openxmlformats.org/officeDocument/2006/math">
                     <m:oMathParaPr>
-                      <m:jc m:val="centerGroup"/>
+                      <m:jc m:val="left"/>
                     </m:oMathParaPr>
                     <m:oMath xmlns:m="http://schemas.openxmlformats.org/officeDocument/2006/math">
                       <m:r>
-                        <a:rPr lang="en-US" i="1" dirty="0" smtClean="0">
+                        <a:rPr lang="en-US" b="0" i="1" dirty="0" smtClean="0">
                           <a:latin typeface="Cambria Math" panose="02040503050406030204" pitchFamily="18" charset="0"/>
                         </a:rPr>
-                        <m:t>𝑅𝑜𝑢𝑛𝑑</m:t>
+                        <m:t>𝐹𝑢𝑛𝑐𝑡𝑖𝑜𝑛</m:t>
                       </m:r>
                       <m:r>
-                        <a:rPr lang="en-US" i="1" dirty="0" smtClean="0">
+                        <a:rPr lang="en-US" b="0" i="1" dirty="0" smtClean="0">
                           <a:latin typeface="Cambria Math" panose="02040503050406030204" pitchFamily="18" charset="0"/>
                         </a:rPr>
                         <m:t> </m:t>
                       </m:r>
                       <m:r>
-                        <a:rPr lang="en-US" i="1" dirty="0" err="1" smtClean="0">
+                        <a:rPr lang="en-US" b="0" i="1" dirty="0" smtClean="0">
                           <a:latin typeface="Cambria Math" panose="02040503050406030204" pitchFamily="18" charset="0"/>
                         </a:rPr>
-                        <m:t>𝑖</m:t>
+                        <m:t>𝐹</m:t>
                       </m:r>
                     </m:oMath>
                   </m:oMathPara>
@@ -4212,6 +6201,10 @@
               </p:nvPr>
             </p:nvSpPr>
             <p:spPr>
+              <a:xfrm>
+                <a:off x="464685" y="136152"/>
+                <a:ext cx="2790144" cy="1325563"/>
+              </a:xfrm>
               <a:blipFill>
                 <a:blip r:embed="rId2"/>
                 <a:stretch>
@@ -4236,10 +6229,10 @@
       </mc:AlternateContent>
       <p:pic>
         <p:nvPicPr>
-          <p:cNvPr id="5" name="תמונה 4" descr="תמונה שמכילה צילום מסך, שחור, עיצוב&#10;&#10;התיאור נוצר באופן אוטומטי">
-            <a:extLst>
-              <a:ext uri="{FF2B5EF4-FFF2-40B4-BE49-F238E27FC236}">
-                <a16:creationId xmlns:a16="http://schemas.microsoft.com/office/drawing/2014/main" id="{32BE30D6-DEE5-41E3-6712-A8BDF06D0092}"/>
+          <p:cNvPr id="91" name="תמונה 90" descr="תמונה שמכילה צילום מסך, תרשים, טקסט&#10;&#10;התיאור נוצר באופן אוטומטי">
+            <a:extLst>
+              <a:ext uri="{FF2B5EF4-FFF2-40B4-BE49-F238E27FC236}">
+                <a16:creationId xmlns:a16="http://schemas.microsoft.com/office/drawing/2014/main" id="{72B857A3-9F4C-8FAB-5DBA-7EAF42D908D3}"/>
               </a:ext>
             </a:extLst>
           </p:cNvPr>
@@ -4262,87 +6255,222 @@
         </p:blipFill>
         <p:spPr>
           <a:xfrm>
-            <a:off x="2703972" y="2359230"/>
-            <a:ext cx="6897228" cy="4344019"/>
+            <a:off x="5314175" y="462713"/>
+            <a:ext cx="6788793" cy="5932574"/>
           </a:xfrm>
           <a:prstGeom prst="rect">
             <a:avLst/>
           </a:prstGeom>
         </p:spPr>
       </p:pic>
+      <p:pic>
+        <p:nvPicPr>
+          <p:cNvPr id="92" name="תמונה 91">
+            <a:extLst>
+              <a:ext uri="{FF2B5EF4-FFF2-40B4-BE49-F238E27FC236}">
+                <a16:creationId xmlns:a16="http://schemas.microsoft.com/office/drawing/2014/main" id="{E929DFAF-2F06-ECC9-1B6E-C9B5038BF046}"/>
+              </a:ext>
+            </a:extLst>
+          </p:cNvPr>
+          <p:cNvPicPr>
+            <a:picLocks noChangeAspect="1"/>
+          </p:cNvPicPr>
+          <p:nvPr/>
+        </p:nvPicPr>
+        <p:blipFill>
+          <a:blip r:embed="rId4"/>
+          <a:stretch>
+            <a:fillRect/>
+          </a:stretch>
+        </p:blipFill>
+        <p:spPr>
+          <a:xfrm>
+            <a:off x="260903" y="1676400"/>
+            <a:ext cx="4785052" cy="356746"/>
+          </a:xfrm>
+          <a:prstGeom prst="rect">
+            <a:avLst/>
+          </a:prstGeom>
+        </p:spPr>
+      </p:pic>
+      <p:pic>
+        <p:nvPicPr>
+          <p:cNvPr id="94" name="תמונה 93">
+            <a:extLst>
+              <a:ext uri="{FF2B5EF4-FFF2-40B4-BE49-F238E27FC236}">
+                <a16:creationId xmlns:a16="http://schemas.microsoft.com/office/drawing/2014/main" id="{D56263FE-D21A-A48F-68EB-E1E90DBB2FA6}"/>
+              </a:ext>
+            </a:extLst>
+          </p:cNvPr>
+          <p:cNvPicPr>
+            <a:picLocks noChangeAspect="1"/>
+          </p:cNvPicPr>
+          <p:nvPr/>
+        </p:nvPicPr>
+        <p:blipFill>
+          <a:blip r:embed="rId5"/>
+          <a:stretch>
+            <a:fillRect/>
+          </a:stretch>
+        </p:blipFill>
+        <p:spPr>
+          <a:xfrm>
+            <a:off x="260903" y="2220050"/>
+            <a:ext cx="1462535" cy="370509"/>
+          </a:xfrm>
+          <a:prstGeom prst="rect">
+            <a:avLst/>
+          </a:prstGeom>
+        </p:spPr>
+      </p:pic>
+      <p:pic>
+        <p:nvPicPr>
+          <p:cNvPr id="96" name="תמונה 95">
+            <a:extLst>
+              <a:ext uri="{FF2B5EF4-FFF2-40B4-BE49-F238E27FC236}">
+                <a16:creationId xmlns:a16="http://schemas.microsoft.com/office/drawing/2014/main" id="{4601E7AA-1839-8095-31DA-FA03BCB535E0}"/>
+              </a:ext>
+            </a:extLst>
+          </p:cNvPr>
+          <p:cNvPicPr>
+            <a:picLocks noChangeAspect="1"/>
+          </p:cNvPicPr>
+          <p:nvPr/>
+        </p:nvPicPr>
+        <p:blipFill>
+          <a:blip r:embed="rId6"/>
+          <a:stretch>
+            <a:fillRect/>
+          </a:stretch>
+        </p:blipFill>
+        <p:spPr>
+          <a:xfrm>
+            <a:off x="260903" y="2846049"/>
+            <a:ext cx="4956142" cy="377306"/>
+          </a:xfrm>
+          <a:prstGeom prst="rect">
+            <a:avLst/>
+          </a:prstGeom>
+        </p:spPr>
+      </p:pic>
+      <p:pic>
+        <p:nvPicPr>
+          <p:cNvPr id="98" name="תמונה 97">
+            <a:extLst>
+              <a:ext uri="{FF2B5EF4-FFF2-40B4-BE49-F238E27FC236}">
+                <a16:creationId xmlns:a16="http://schemas.microsoft.com/office/drawing/2014/main" id="{9B3B08C5-FED1-1D17-F0DB-F5CF540700B5}"/>
+              </a:ext>
+            </a:extLst>
+          </p:cNvPr>
+          <p:cNvPicPr>
+            <a:picLocks noChangeAspect="1"/>
+          </p:cNvPicPr>
+          <p:nvPr/>
+        </p:nvPicPr>
+        <p:blipFill>
+          <a:blip r:embed="rId7"/>
+          <a:stretch>
+            <a:fillRect/>
+          </a:stretch>
+        </p:blipFill>
+        <p:spPr>
+          <a:xfrm>
+            <a:off x="260903" y="3429000"/>
+            <a:ext cx="4956142" cy="280206"/>
+          </a:xfrm>
+          <a:prstGeom prst="rect">
+            <a:avLst/>
+          </a:prstGeom>
+        </p:spPr>
+      </p:pic>
+    </p:spTree>
+    <p:extLst>
+      <p:ext uri="{BB962C8B-B14F-4D97-AF65-F5344CB8AC3E}">
+        <p14:creationId xmlns:p14="http://schemas.microsoft.com/office/powerpoint/2010/main" val="2691650353"/>
+      </p:ext>
+    </p:extLst>
+  </p:cSld>
+  <p:clrMapOvr>
+    <a:masterClrMapping/>
+  </p:clrMapOvr>
+</p:sld>
+</file>
+
+<file path=ppt/slides/slide9.xml><?xml version="1.0" encoding="utf-8"?>
+<p:sld xmlns:a="http://schemas.openxmlformats.org/drawingml/2006/main" xmlns:r="http://schemas.openxmlformats.org/officeDocument/2006/relationships" xmlns:p="http://schemas.openxmlformats.org/presentationml/2006/main">
+  <p:cSld>
+    <p:spTree>
+      <p:nvGrpSpPr>
+        <p:cNvPr id="1" name=""/>
+        <p:cNvGrpSpPr/>
+        <p:nvPr/>
+      </p:nvGrpSpPr>
+      <p:grpSpPr>
+        <a:xfrm>
+          <a:off x="0" y="0"/>
+          <a:ext cx="0" cy="0"/>
+          <a:chOff x="0" y="0"/>
+          <a:chExt cx="0" cy="0"/>
+        </a:xfrm>
+      </p:grpSpPr>
       <mc:AlternateContent xmlns:mc="http://schemas.openxmlformats.org/markup-compatibility/2006">
         <mc:Choice xmlns:a14="http://schemas.microsoft.com/office/drawing/2010/main" Requires="a14">
           <p:sp>
             <p:nvSpPr>
-              <p:cNvPr id="6" name="מלבן 5">
+              <p:cNvPr id="2" name="כותרת 1">
                 <a:extLst>
                   <a:ext uri="{FF2B5EF4-FFF2-40B4-BE49-F238E27FC236}">
-                    <a16:creationId xmlns:a16="http://schemas.microsoft.com/office/drawing/2014/main" id="{D7707EEB-B8DA-77EA-6B4B-CA40CC75A7B9}"/>
+                    <a16:creationId xmlns:a16="http://schemas.microsoft.com/office/drawing/2014/main" id="{E3DD8957-D9AD-0A5C-31C2-8EE1479F1246}"/>
                   </a:ext>
                 </a:extLst>
               </p:cNvPr>
-              <p:cNvSpPr/>
-              <p:nvPr/>
+              <p:cNvSpPr>
+                <a:spLocks noGrp="1"/>
+              </p:cNvSpPr>
+              <p:nvPr>
+                <p:ph type="title"/>
+              </p:nvPr>
             </p:nvSpPr>
             <p:spPr>
               <a:xfrm>
-                <a:off x="7729773" y="1560133"/>
-                <a:ext cx="782855" cy="397844"/>
+                <a:off x="464684" y="136152"/>
+                <a:ext cx="3563029" cy="1325563"/>
               </a:xfrm>
-              <a:prstGeom prst="rect">
-                <a:avLst/>
-              </a:prstGeom>
             </p:spPr>
-            <p:style>
-              <a:lnRef idx="0">
-                <a:schemeClr val="accent4"/>
-              </a:lnRef>
-              <a:fillRef idx="3">
-                <a:schemeClr val="accent4"/>
-              </a:fillRef>
-              <a:effectRef idx="3">
-                <a:schemeClr val="accent4"/>
-              </a:effectRef>
-              <a:fontRef idx="minor">
-                <a:schemeClr val="lt1"/>
-              </a:fontRef>
-            </p:style>
             <p:txBody>
-              <a:bodyPr rtlCol="1" anchor="ctr"/>
+              <a:bodyPr>
+                <a:normAutofit/>
+              </a:bodyPr>
               <a:lstStyle/>
               <a:p>
-                <a:pPr algn="ctr" rtl="0"/>
+                <a:pPr algn="l" rtl="0"/>
                 <a14:m>
                   <m:oMathPara xmlns:m="http://schemas.openxmlformats.org/officeDocument/2006/math">
                     <m:oMathParaPr>
-                      <m:jc m:val="center"/>
+                      <m:jc m:val="left"/>
                     </m:oMathParaPr>
                     <m:oMath xmlns:m="http://schemas.openxmlformats.org/officeDocument/2006/math">
-                      <m:sSub>
-                        <m:sSubPr>
-                          <m:ctrlPr>
-                            <a:rPr lang="en-US" b="0" i="1" smtClean="0">
-                              <a:latin typeface="Cambria Math" panose="02040503050406030204" pitchFamily="18" charset="0"/>
-                            </a:rPr>
-                          </m:ctrlPr>
-                        </m:sSubPr>
-                        <m:e>
-                          <m:r>
-                            <a:rPr lang="en-US" b="0" i="1" smtClean="0">
-                              <a:latin typeface="Cambria Math" panose="02040503050406030204" pitchFamily="18" charset="0"/>
-                            </a:rPr>
-                            <m:t>𝑋</m:t>
-                          </m:r>
-                        </m:e>
-                        <m:sub>
-                          <m:r>
-                            <a:rPr lang="en-US" b="0" i="1" smtClean="0">
-                              <a:latin typeface="Cambria Math" panose="02040503050406030204" pitchFamily="18" charset="0"/>
-                            </a:rPr>
-                            <m:t>0</m:t>
-                          </m:r>
-                        </m:sub>
-                      </m:sSub>
+                      <m:r>
+                        <m:rPr>
+                          <m:nor/>
+                        </m:rPr>
+                        <a:rPr lang="en-US" dirty="0"/>
+                        <m:t>Key</m:t>
+                      </m:r>
+                      <m:r>
+                        <m:rPr>
+                          <m:nor/>
+                        </m:rPr>
+                        <a:rPr lang="en-US" dirty="0"/>
+                        <m:t> </m:t>
+                      </m:r>
+                      <m:r>
+                        <m:rPr>
+                          <m:nor/>
+                        </m:rPr>
+                        <a:rPr lang="en-US" dirty="0"/>
+                        <m:t>Expansion</m:t>
+                      </m:r>
                     </m:oMath>
                   </m:oMathPara>
                 </a14:m>
@@ -4354,28 +6482,27 @@
         <mc:Fallback>
           <p:sp>
             <p:nvSpPr>
-              <p:cNvPr id="6" name="מלבן 5">
+              <p:cNvPr id="2" name="כותרת 1">
                 <a:extLst>
                   <a:ext uri="{FF2B5EF4-FFF2-40B4-BE49-F238E27FC236}">
-                    <a16:creationId xmlns:a16="http://schemas.microsoft.com/office/drawing/2014/main" id="{D7707EEB-B8DA-77EA-6B4B-CA40CC75A7B9}"/>
+                    <a16:creationId xmlns:a16="http://schemas.microsoft.com/office/drawing/2014/main" id="{E3DD8957-D9AD-0A5C-31C2-8EE1479F1246}"/>
                   </a:ext>
                 </a:extLst>
               </p:cNvPr>
               <p:cNvSpPr>
-                <a:spLocks noRot="1" noChangeAspect="1" noMove="1" noResize="1" noEditPoints="1" noAdjustHandles="1" noChangeArrowheads="1" noChangeShapeType="1" noTextEdit="1"/>
+                <a:spLocks noGrp="1" noRot="1" noChangeAspect="1" noMove="1" noResize="1" noEditPoints="1" noAdjustHandles="1" noChangeArrowheads="1" noChangeShapeType="1" noTextEdit="1"/>
               </p:cNvSpPr>
-              <p:nvPr/>
+              <p:nvPr>
+                <p:ph type="title"/>
+              </p:nvPr>
             </p:nvSpPr>
             <p:spPr>
               <a:xfrm>
-                <a:off x="7729773" y="1560133"/>
-                <a:ext cx="782855" cy="397844"/>
+                <a:off x="464684" y="136152"/>
+                <a:ext cx="3563029" cy="1325563"/>
               </a:xfrm>
-              <a:prstGeom prst="rect">
-                <a:avLst/>
-              </a:prstGeom>
               <a:blipFill>
-                <a:blip r:embed="rId4"/>
+                <a:blip r:embed="rId3"/>
                 <a:stretch>
                   <a:fillRect/>
                 </a:stretch>
@@ -4396,669 +6523,12 @@
           </p:sp>
         </mc:Fallback>
       </mc:AlternateContent>
-      <mc:AlternateContent xmlns:mc="http://schemas.openxmlformats.org/markup-compatibility/2006">
-        <mc:Choice xmlns:a14="http://schemas.microsoft.com/office/drawing/2010/main" Requires="a14">
-          <p:sp>
-            <p:nvSpPr>
-              <p:cNvPr id="7" name="מלבן 6">
-                <a:extLst>
-                  <a:ext uri="{FF2B5EF4-FFF2-40B4-BE49-F238E27FC236}">
-                    <a16:creationId xmlns:a16="http://schemas.microsoft.com/office/drawing/2014/main" id="{E63292C6-B41B-0502-3D5C-F860C87EA6A4}"/>
-                  </a:ext>
-                </a:extLst>
-              </p:cNvPr>
-              <p:cNvSpPr/>
-              <p:nvPr/>
-            </p:nvSpPr>
-            <p:spPr>
-              <a:xfrm>
-                <a:off x="8599255" y="1560133"/>
-                <a:ext cx="782855" cy="397844"/>
-              </a:xfrm>
-              <a:prstGeom prst="rect">
-                <a:avLst/>
-              </a:prstGeom>
-            </p:spPr>
-            <p:style>
-              <a:lnRef idx="0">
-                <a:schemeClr val="accent4"/>
-              </a:lnRef>
-              <a:fillRef idx="3">
-                <a:schemeClr val="accent4"/>
-              </a:fillRef>
-              <a:effectRef idx="3">
-                <a:schemeClr val="accent4"/>
-              </a:effectRef>
-              <a:fontRef idx="minor">
-                <a:schemeClr val="lt1"/>
-              </a:fontRef>
-            </p:style>
-            <p:txBody>
-              <a:bodyPr rtlCol="1" anchor="ctr"/>
-              <a:lstStyle/>
-              <a:p>
-                <a:pPr algn="ctr" rtl="0"/>
-                <a14:m>
-                  <m:oMathPara xmlns:m="http://schemas.openxmlformats.org/officeDocument/2006/math">
-                    <m:oMathParaPr>
-                      <m:jc m:val="centerGroup"/>
-                    </m:oMathParaPr>
-                    <m:oMath xmlns:m="http://schemas.openxmlformats.org/officeDocument/2006/math">
-                      <m:sSub>
-                        <m:sSubPr>
-                          <m:ctrlPr>
-                            <a:rPr lang="en-US" b="0" i="1" smtClean="0">
-                              <a:latin typeface="Cambria Math" panose="02040503050406030204" pitchFamily="18" charset="0"/>
-                            </a:rPr>
-                          </m:ctrlPr>
-                        </m:sSubPr>
-                        <m:e>
-                          <m:r>
-                            <a:rPr lang="en-US" b="0" i="1" smtClean="0">
-                              <a:latin typeface="Cambria Math" panose="02040503050406030204" pitchFamily="18" charset="0"/>
-                            </a:rPr>
-                            <m:t>𝑋</m:t>
-                          </m:r>
-                        </m:e>
-                        <m:sub>
-                          <m:r>
-                            <a:rPr lang="en-US" b="0" i="1" smtClean="0">
-                              <a:latin typeface="Cambria Math" panose="02040503050406030204" pitchFamily="18" charset="0"/>
-                            </a:rPr>
-                            <m:t>1</m:t>
-                          </m:r>
-                        </m:sub>
-                      </m:sSub>
-                    </m:oMath>
-                  </m:oMathPara>
-                </a14:m>
-                <a:endParaRPr lang="he-IL" dirty="0"/>
-              </a:p>
-            </p:txBody>
-          </p:sp>
-        </mc:Choice>
-        <mc:Fallback>
-          <p:sp>
-            <p:nvSpPr>
-              <p:cNvPr id="7" name="מלבן 6">
-                <a:extLst>
-                  <a:ext uri="{FF2B5EF4-FFF2-40B4-BE49-F238E27FC236}">
-                    <a16:creationId xmlns:a16="http://schemas.microsoft.com/office/drawing/2014/main" id="{E63292C6-B41B-0502-3D5C-F860C87EA6A4}"/>
-                  </a:ext>
-                </a:extLst>
-              </p:cNvPr>
-              <p:cNvSpPr>
-                <a:spLocks noRot="1" noChangeAspect="1" noMove="1" noResize="1" noEditPoints="1" noAdjustHandles="1" noChangeArrowheads="1" noChangeShapeType="1" noTextEdit="1"/>
-              </p:cNvSpPr>
-              <p:nvPr/>
-            </p:nvSpPr>
-            <p:spPr>
-              <a:xfrm>
-                <a:off x="8599255" y="1560133"/>
-                <a:ext cx="782855" cy="397844"/>
-              </a:xfrm>
-              <a:prstGeom prst="rect">
-                <a:avLst/>
-              </a:prstGeom>
-              <a:blipFill>
-                <a:blip r:embed="rId5"/>
-                <a:stretch>
-                  <a:fillRect/>
-                </a:stretch>
-              </a:blipFill>
-            </p:spPr>
-            <p:txBody>
-              <a:bodyPr/>
-              <a:lstStyle/>
-              <a:p>
-                <a:r>
-                  <a:rPr lang="he-IL">
-                    <a:noFill/>
-                  </a:rPr>
-                  <a:t> </a:t>
-                </a:r>
-              </a:p>
-            </p:txBody>
-          </p:sp>
-        </mc:Fallback>
-      </mc:AlternateContent>
-      <mc:AlternateContent xmlns:mc="http://schemas.openxmlformats.org/markup-compatibility/2006">
-        <mc:Choice xmlns:a14="http://schemas.microsoft.com/office/drawing/2010/main" Requires="a14">
-          <p:sp>
-            <p:nvSpPr>
-              <p:cNvPr id="8" name="מלבן 7">
-                <a:extLst>
-                  <a:ext uri="{FF2B5EF4-FFF2-40B4-BE49-F238E27FC236}">
-                    <a16:creationId xmlns:a16="http://schemas.microsoft.com/office/drawing/2014/main" id="{A725ED72-4EE0-124B-922B-34811D8D7F6F}"/>
-                  </a:ext>
-                </a:extLst>
-              </p:cNvPr>
-              <p:cNvSpPr/>
-              <p:nvPr/>
-            </p:nvSpPr>
-            <p:spPr>
-              <a:xfrm>
-                <a:off x="9468737" y="1560133"/>
-                <a:ext cx="782855" cy="397844"/>
-              </a:xfrm>
-              <a:prstGeom prst="rect">
-                <a:avLst/>
-              </a:prstGeom>
-            </p:spPr>
-            <p:style>
-              <a:lnRef idx="0">
-                <a:schemeClr val="accent4"/>
-              </a:lnRef>
-              <a:fillRef idx="3">
-                <a:schemeClr val="accent4"/>
-              </a:fillRef>
-              <a:effectRef idx="3">
-                <a:schemeClr val="accent4"/>
-              </a:effectRef>
-              <a:fontRef idx="minor">
-                <a:schemeClr val="lt1"/>
-              </a:fontRef>
-            </p:style>
-            <p:txBody>
-              <a:bodyPr rtlCol="1" anchor="ctr"/>
-              <a:lstStyle/>
-              <a:p>
-                <a:pPr algn="ctr" rtl="0"/>
-                <a14:m>
-                  <m:oMathPara xmlns:m="http://schemas.openxmlformats.org/officeDocument/2006/math">
-                    <m:oMathParaPr>
-                      <m:jc m:val="centerGroup"/>
-                    </m:oMathParaPr>
-                    <m:oMath xmlns:m="http://schemas.openxmlformats.org/officeDocument/2006/math">
-                      <m:sSub>
-                        <m:sSubPr>
-                          <m:ctrlPr>
-                            <a:rPr lang="en-US" b="0" i="1" smtClean="0">
-                              <a:latin typeface="Cambria Math" panose="02040503050406030204" pitchFamily="18" charset="0"/>
-                            </a:rPr>
-                          </m:ctrlPr>
-                        </m:sSubPr>
-                        <m:e>
-                          <m:r>
-                            <a:rPr lang="en-US" b="0" i="1" smtClean="0">
-                              <a:latin typeface="Cambria Math" panose="02040503050406030204" pitchFamily="18" charset="0"/>
-                            </a:rPr>
-                            <m:t>𝑋</m:t>
-                          </m:r>
-                        </m:e>
-                        <m:sub>
-                          <m:r>
-                            <a:rPr lang="en-US" b="0" i="1" smtClean="0">
-                              <a:latin typeface="Cambria Math" panose="02040503050406030204" pitchFamily="18" charset="0"/>
-                            </a:rPr>
-                            <m:t>2</m:t>
-                          </m:r>
-                        </m:sub>
-                      </m:sSub>
-                    </m:oMath>
-                  </m:oMathPara>
-                </a14:m>
-                <a:endParaRPr lang="he-IL" dirty="0"/>
-              </a:p>
-            </p:txBody>
-          </p:sp>
-        </mc:Choice>
-        <mc:Fallback>
-          <p:sp>
-            <p:nvSpPr>
-              <p:cNvPr id="8" name="מלבן 7">
-                <a:extLst>
-                  <a:ext uri="{FF2B5EF4-FFF2-40B4-BE49-F238E27FC236}">
-                    <a16:creationId xmlns:a16="http://schemas.microsoft.com/office/drawing/2014/main" id="{A725ED72-4EE0-124B-922B-34811D8D7F6F}"/>
-                  </a:ext>
-                </a:extLst>
-              </p:cNvPr>
-              <p:cNvSpPr>
-                <a:spLocks noRot="1" noChangeAspect="1" noMove="1" noResize="1" noEditPoints="1" noAdjustHandles="1" noChangeArrowheads="1" noChangeShapeType="1" noTextEdit="1"/>
-              </p:cNvSpPr>
-              <p:nvPr/>
-            </p:nvSpPr>
-            <p:spPr>
-              <a:xfrm>
-                <a:off x="9468737" y="1560133"/>
-                <a:ext cx="782855" cy="397844"/>
-              </a:xfrm>
-              <a:prstGeom prst="rect">
-                <a:avLst/>
-              </a:prstGeom>
-              <a:blipFill>
-                <a:blip r:embed="rId6"/>
-                <a:stretch>
-                  <a:fillRect/>
-                </a:stretch>
-              </a:blipFill>
-            </p:spPr>
-            <p:txBody>
-              <a:bodyPr/>
-              <a:lstStyle/>
-              <a:p>
-                <a:r>
-                  <a:rPr lang="he-IL">
-                    <a:noFill/>
-                  </a:rPr>
-                  <a:t> </a:t>
-                </a:r>
-              </a:p>
-            </p:txBody>
-          </p:sp>
-        </mc:Fallback>
-      </mc:AlternateContent>
-      <mc:AlternateContent xmlns:mc="http://schemas.openxmlformats.org/markup-compatibility/2006">
-        <mc:Choice xmlns:a14="http://schemas.microsoft.com/office/drawing/2010/main" Requires="a14">
-          <p:sp>
-            <p:nvSpPr>
-              <p:cNvPr id="9" name="מלבן 8">
-                <a:extLst>
-                  <a:ext uri="{FF2B5EF4-FFF2-40B4-BE49-F238E27FC236}">
-                    <a16:creationId xmlns:a16="http://schemas.microsoft.com/office/drawing/2014/main" id="{E5CDB465-69C0-9BD8-A04F-FFA872407AF9}"/>
-                  </a:ext>
-                </a:extLst>
-              </p:cNvPr>
-              <p:cNvSpPr/>
-              <p:nvPr/>
-            </p:nvSpPr>
-            <p:spPr>
-              <a:xfrm>
-                <a:off x="10338219" y="1560133"/>
-                <a:ext cx="782855" cy="397844"/>
-              </a:xfrm>
-              <a:prstGeom prst="rect">
-                <a:avLst/>
-              </a:prstGeom>
-            </p:spPr>
-            <p:style>
-              <a:lnRef idx="0">
-                <a:schemeClr val="accent4"/>
-              </a:lnRef>
-              <a:fillRef idx="3">
-                <a:schemeClr val="accent4"/>
-              </a:fillRef>
-              <a:effectRef idx="3">
-                <a:schemeClr val="accent4"/>
-              </a:effectRef>
-              <a:fontRef idx="minor">
-                <a:schemeClr val="lt1"/>
-              </a:fontRef>
-            </p:style>
-            <p:txBody>
-              <a:bodyPr rtlCol="1" anchor="ctr"/>
-              <a:lstStyle/>
-              <a:p>
-                <a:pPr algn="ctr" rtl="0"/>
-                <a14:m>
-                  <m:oMathPara xmlns:m="http://schemas.openxmlformats.org/officeDocument/2006/math">
-                    <m:oMathParaPr>
-                      <m:jc m:val="centerGroup"/>
-                    </m:oMathParaPr>
-                    <m:oMath xmlns:m="http://schemas.openxmlformats.org/officeDocument/2006/math">
-                      <m:sSub>
-                        <m:sSubPr>
-                          <m:ctrlPr>
-                            <a:rPr lang="en-US" b="0" i="1" smtClean="0">
-                              <a:latin typeface="Cambria Math" panose="02040503050406030204" pitchFamily="18" charset="0"/>
-                            </a:rPr>
-                          </m:ctrlPr>
-                        </m:sSubPr>
-                        <m:e>
-                          <m:r>
-                            <a:rPr lang="en-US" b="0" i="1" smtClean="0">
-                              <a:latin typeface="Cambria Math" panose="02040503050406030204" pitchFamily="18" charset="0"/>
-                            </a:rPr>
-                            <m:t>𝑋</m:t>
-                          </m:r>
-                        </m:e>
-                        <m:sub>
-                          <m:r>
-                            <a:rPr lang="en-US" b="0" i="1" smtClean="0">
-                              <a:latin typeface="Cambria Math" panose="02040503050406030204" pitchFamily="18" charset="0"/>
-                            </a:rPr>
-                            <m:t>3</m:t>
-                          </m:r>
-                        </m:sub>
-                      </m:sSub>
-                    </m:oMath>
-                  </m:oMathPara>
-                </a14:m>
-                <a:endParaRPr lang="he-IL" dirty="0"/>
-              </a:p>
-            </p:txBody>
-          </p:sp>
-        </mc:Choice>
-        <mc:Fallback>
-          <p:sp>
-            <p:nvSpPr>
-              <p:cNvPr id="9" name="מלבן 8">
-                <a:extLst>
-                  <a:ext uri="{FF2B5EF4-FFF2-40B4-BE49-F238E27FC236}">
-                    <a16:creationId xmlns:a16="http://schemas.microsoft.com/office/drawing/2014/main" id="{E5CDB465-69C0-9BD8-A04F-FFA872407AF9}"/>
-                  </a:ext>
-                </a:extLst>
-              </p:cNvPr>
-              <p:cNvSpPr>
-                <a:spLocks noRot="1" noChangeAspect="1" noMove="1" noResize="1" noEditPoints="1" noAdjustHandles="1" noChangeArrowheads="1" noChangeShapeType="1" noTextEdit="1"/>
-              </p:cNvSpPr>
-              <p:nvPr/>
-            </p:nvSpPr>
-            <p:spPr>
-              <a:xfrm>
-                <a:off x="10338219" y="1560133"/>
-                <a:ext cx="782855" cy="397844"/>
-              </a:xfrm>
-              <a:prstGeom prst="rect">
-                <a:avLst/>
-              </a:prstGeom>
-              <a:blipFill>
-                <a:blip r:embed="rId7"/>
-                <a:stretch>
-                  <a:fillRect/>
-                </a:stretch>
-              </a:blipFill>
-            </p:spPr>
-            <p:txBody>
-              <a:bodyPr/>
-              <a:lstStyle/>
-              <a:p>
-                <a:r>
-                  <a:rPr lang="he-IL">
-                    <a:noFill/>
-                  </a:rPr>
-                  <a:t> </a:t>
-                </a:r>
-              </a:p>
-            </p:txBody>
-          </p:sp>
-        </mc:Fallback>
-      </mc:AlternateContent>
-      <p:sp>
-        <p:nvSpPr>
-          <p:cNvPr id="10" name="מלבן 9">
-            <a:extLst>
-              <a:ext uri="{FF2B5EF4-FFF2-40B4-BE49-F238E27FC236}">
-                <a16:creationId xmlns:a16="http://schemas.microsoft.com/office/drawing/2014/main" id="{AB2C88CC-7D8F-F29A-7A82-FBE4A5938FDE}"/>
-              </a:ext>
-            </a:extLst>
-          </p:cNvPr>
-          <p:cNvSpPr/>
-          <p:nvPr/>
-        </p:nvSpPr>
-        <p:spPr>
-          <a:xfrm>
-            <a:off x="7729773" y="727013"/>
-            <a:ext cx="3391301" cy="397844"/>
-          </a:xfrm>
-          <a:prstGeom prst="rect">
-            <a:avLst/>
-          </a:prstGeom>
-        </p:spPr>
-        <p:style>
-          <a:lnRef idx="0">
-            <a:schemeClr val="accent4"/>
-          </a:lnRef>
-          <a:fillRef idx="3">
-            <a:schemeClr val="accent4"/>
-          </a:fillRef>
-          <a:effectRef idx="3">
-            <a:schemeClr val="accent4"/>
-          </a:effectRef>
-          <a:fontRef idx="minor">
-            <a:schemeClr val="lt1"/>
-          </a:fontRef>
-        </p:style>
-        <p:txBody>
-          <a:bodyPr rtlCol="1" anchor="ctr"/>
-          <a:lstStyle/>
-          <a:p>
-            <a:pPr algn="ctr"/>
-            <a:r>
-              <a:rPr lang="en-US" dirty="0"/>
-              <a:t>Text</a:t>
-            </a:r>
-            <a:endParaRPr lang="he-IL" dirty="0"/>
-          </a:p>
-        </p:txBody>
-      </p:sp>
-      <p:sp>
-        <p:nvSpPr>
-          <p:cNvPr id="11" name="חץ: למטה 10">
-            <a:extLst>
-              <a:ext uri="{FF2B5EF4-FFF2-40B4-BE49-F238E27FC236}">
-                <a16:creationId xmlns:a16="http://schemas.microsoft.com/office/drawing/2014/main" id="{C1C3C3AF-18E3-73A9-60BA-E38649B7AB2E}"/>
-              </a:ext>
-            </a:extLst>
-          </p:cNvPr>
-          <p:cNvSpPr/>
-          <p:nvPr/>
-        </p:nvSpPr>
-        <p:spPr>
-          <a:xfrm>
-            <a:off x="7986580" y="1177395"/>
-            <a:ext cx="269240" cy="330200"/>
-          </a:xfrm>
-          <a:prstGeom prst="downArrow">
-            <a:avLst/>
-          </a:prstGeom>
-        </p:spPr>
-        <p:style>
-          <a:lnRef idx="3">
-            <a:schemeClr val="lt1"/>
-          </a:lnRef>
-          <a:fillRef idx="1">
-            <a:schemeClr val="accent4"/>
-          </a:fillRef>
-          <a:effectRef idx="1">
-            <a:schemeClr val="accent4"/>
-          </a:effectRef>
-          <a:fontRef idx="minor">
-            <a:schemeClr val="lt1"/>
-          </a:fontRef>
-        </p:style>
-        <p:txBody>
-          <a:bodyPr rtlCol="1" anchor="ctr"/>
-          <a:lstStyle/>
-          <a:p>
-            <a:pPr algn="ctr"/>
-            <a:endParaRPr lang="he-IL"/>
-          </a:p>
-        </p:txBody>
-      </p:sp>
-      <p:sp>
-        <p:nvSpPr>
-          <p:cNvPr id="12" name="חץ: למטה 11">
-            <a:extLst>
-              <a:ext uri="{FF2B5EF4-FFF2-40B4-BE49-F238E27FC236}">
-                <a16:creationId xmlns:a16="http://schemas.microsoft.com/office/drawing/2014/main" id="{1678669D-5200-BE31-1A4E-83AE2D068785}"/>
-              </a:ext>
-            </a:extLst>
-          </p:cNvPr>
-          <p:cNvSpPr/>
-          <p:nvPr/>
-        </p:nvSpPr>
-        <p:spPr>
-          <a:xfrm>
-            <a:off x="8856062" y="1177395"/>
-            <a:ext cx="269240" cy="330200"/>
-          </a:xfrm>
-          <a:prstGeom prst="downArrow">
-            <a:avLst/>
-          </a:prstGeom>
-        </p:spPr>
-        <p:style>
-          <a:lnRef idx="3">
-            <a:schemeClr val="lt1"/>
-          </a:lnRef>
-          <a:fillRef idx="1">
-            <a:schemeClr val="accent4"/>
-          </a:fillRef>
-          <a:effectRef idx="1">
-            <a:schemeClr val="accent4"/>
-          </a:effectRef>
-          <a:fontRef idx="minor">
-            <a:schemeClr val="lt1"/>
-          </a:fontRef>
-        </p:style>
-        <p:txBody>
-          <a:bodyPr rtlCol="1" anchor="ctr"/>
-          <a:lstStyle/>
-          <a:p>
-            <a:pPr algn="ctr"/>
-            <a:endParaRPr lang="he-IL"/>
-          </a:p>
-        </p:txBody>
-      </p:sp>
-      <p:sp>
-        <p:nvSpPr>
-          <p:cNvPr id="13" name="חץ: למטה 12">
-            <a:extLst>
-              <a:ext uri="{FF2B5EF4-FFF2-40B4-BE49-F238E27FC236}">
-                <a16:creationId xmlns:a16="http://schemas.microsoft.com/office/drawing/2014/main" id="{F3A370A5-9BD4-E8E2-727E-EC479B6003DB}"/>
-              </a:ext>
-            </a:extLst>
-          </p:cNvPr>
-          <p:cNvSpPr/>
-          <p:nvPr/>
-        </p:nvSpPr>
-        <p:spPr>
-          <a:xfrm>
-            <a:off x="9725544" y="1177395"/>
-            <a:ext cx="269240" cy="330200"/>
-          </a:xfrm>
-          <a:prstGeom prst="downArrow">
-            <a:avLst/>
-          </a:prstGeom>
-        </p:spPr>
-        <p:style>
-          <a:lnRef idx="3">
-            <a:schemeClr val="lt1"/>
-          </a:lnRef>
-          <a:fillRef idx="1">
-            <a:schemeClr val="accent4"/>
-          </a:fillRef>
-          <a:effectRef idx="1">
-            <a:schemeClr val="accent4"/>
-          </a:effectRef>
-          <a:fontRef idx="minor">
-            <a:schemeClr val="lt1"/>
-          </a:fontRef>
-        </p:style>
-        <p:txBody>
-          <a:bodyPr rtlCol="1" anchor="ctr"/>
-          <a:lstStyle/>
-          <a:p>
-            <a:pPr algn="ctr"/>
-            <a:endParaRPr lang="he-IL"/>
-          </a:p>
-        </p:txBody>
-      </p:sp>
-      <p:sp>
-        <p:nvSpPr>
-          <p:cNvPr id="14" name="חץ: למטה 13">
-            <a:extLst>
-              <a:ext uri="{FF2B5EF4-FFF2-40B4-BE49-F238E27FC236}">
-                <a16:creationId xmlns:a16="http://schemas.microsoft.com/office/drawing/2014/main" id="{881126E7-75C8-0754-4C68-9F5BE68F6C67}"/>
-              </a:ext>
-            </a:extLst>
-          </p:cNvPr>
-          <p:cNvSpPr/>
-          <p:nvPr/>
-        </p:nvSpPr>
-        <p:spPr>
-          <a:xfrm>
-            <a:off x="10595026" y="1177395"/>
-            <a:ext cx="269240" cy="330200"/>
-          </a:xfrm>
-          <a:prstGeom prst="downArrow">
-            <a:avLst/>
-          </a:prstGeom>
-        </p:spPr>
-        <p:style>
-          <a:lnRef idx="3">
-            <a:schemeClr val="lt1"/>
-          </a:lnRef>
-          <a:fillRef idx="1">
-            <a:schemeClr val="accent4"/>
-          </a:fillRef>
-          <a:effectRef idx="1">
-            <a:schemeClr val="accent4"/>
-          </a:effectRef>
-          <a:fontRef idx="minor">
-            <a:schemeClr val="lt1"/>
-          </a:fontRef>
-        </p:style>
-        <p:txBody>
-          <a:bodyPr rtlCol="1" anchor="ctr"/>
-          <a:lstStyle/>
-          <a:p>
-            <a:pPr algn="ctr"/>
-            <a:endParaRPr lang="he-IL"/>
-          </a:p>
-        </p:txBody>
-      </p:sp>
-    </p:spTree>
-    <p:extLst>
-      <p:ext uri="{BB962C8B-B14F-4D97-AF65-F5344CB8AC3E}">
-        <p14:creationId xmlns:p14="http://schemas.microsoft.com/office/powerpoint/2010/main" val="3294855315"/>
-      </p:ext>
-    </p:extLst>
-  </p:cSld>
-  <p:clrMapOvr>
-    <a:masterClrMapping/>
-  </p:clrMapOvr>
-</p:sld>
-</file>
-
-<file path=ppt/slides/slide6.xml><?xml version="1.0" encoding="utf-8"?>
-<p:sld xmlns:a="http://schemas.openxmlformats.org/drawingml/2006/main" xmlns:r="http://schemas.openxmlformats.org/officeDocument/2006/relationships" xmlns:p="http://schemas.openxmlformats.org/presentationml/2006/main">
-  <p:cSld>
-    <p:spTree>
-      <p:nvGrpSpPr>
-        <p:cNvPr id="1" name=""/>
-        <p:cNvGrpSpPr/>
-        <p:nvPr/>
-      </p:nvGrpSpPr>
-      <p:grpSpPr>
-        <a:xfrm>
-          <a:off x="0" y="0"/>
-          <a:ext cx="0" cy="0"/>
-          <a:chOff x="0" y="0"/>
-          <a:chExt cx="0" cy="0"/>
-        </a:xfrm>
-      </p:grpSpPr>
-      <p:sp>
-        <p:nvSpPr>
-          <p:cNvPr id="2" name="כותרת 1">
-            <a:extLst>
-              <a:ext uri="{FF2B5EF4-FFF2-40B4-BE49-F238E27FC236}">
-                <a16:creationId xmlns:a16="http://schemas.microsoft.com/office/drawing/2014/main" id="{D97033F8-7F6A-1CF4-DEC2-3B19FC7B6FA2}"/>
-              </a:ext>
-            </a:extLst>
-          </p:cNvPr>
-          <p:cNvSpPr>
-            <a:spLocks noGrp="1"/>
-          </p:cNvSpPr>
-          <p:nvPr>
-            <p:ph type="title"/>
-          </p:nvPr>
-        </p:nvSpPr>
-        <p:spPr/>
-        <p:txBody>
-          <a:bodyPr/>
-          <a:lstStyle/>
-          <a:p>
-            <a:endParaRPr lang="he-IL"/>
-          </a:p>
-        </p:txBody>
-      </p:sp>
       <p:pic>
         <p:nvPicPr>
-          <p:cNvPr id="5" name="תמונה 4" descr="תמונה שמכילה תרשים, קו, צילום מסך, שרטוט טכני&#10;&#10;התיאור נוצר באופן אוטומטי">
-            <a:extLst>
-              <a:ext uri="{FF2B5EF4-FFF2-40B4-BE49-F238E27FC236}">
-                <a16:creationId xmlns:a16="http://schemas.microsoft.com/office/drawing/2014/main" id="{0B060845-A19C-8703-EC2F-FA1879DB1CD1}"/>
+          <p:cNvPr id="4" name="תמונה 3" descr="תמונה שמכילה צילום מסך, טקסט, תרשים, תכונות מולטימדיה&#10;&#10;התיאור נוצר באופן אוטומטי">
+            <a:extLst>
+              <a:ext uri="{FF2B5EF4-FFF2-40B4-BE49-F238E27FC236}">
+                <a16:creationId xmlns:a16="http://schemas.microsoft.com/office/drawing/2014/main" id="{F49BA0C6-809A-C83E-DA4B-DA2EEE780621}"/>
               </a:ext>
             </a:extLst>
           </p:cNvPr>
@@ -5068,7 +6538,7 @@
           <p:nvPr/>
         </p:nvPicPr>
         <p:blipFill>
-          <a:blip r:embed="rId2">
+          <a:blip r:embed="rId4">
             <a:extLst>
               <a:ext uri="{28A0092B-C50C-407E-A947-70E740481C1C}">
                 <a14:useLocalDpi xmlns:a14="http://schemas.microsoft.com/office/drawing/2010/main" val="0"/>
@@ -5081,8 +6551,68 @@
         </p:blipFill>
         <p:spPr>
           <a:xfrm>
-            <a:off x="4040732" y="1927992"/>
-            <a:ext cx="7498126" cy="4533957"/>
+            <a:off x="5464118" y="668060"/>
+            <a:ext cx="6588217" cy="5802086"/>
+          </a:xfrm>
+          <a:prstGeom prst="rect">
+            <a:avLst/>
+          </a:prstGeom>
+        </p:spPr>
+      </p:pic>
+      <p:pic>
+        <p:nvPicPr>
+          <p:cNvPr id="6" name="תמונה 5">
+            <a:extLst>
+              <a:ext uri="{FF2B5EF4-FFF2-40B4-BE49-F238E27FC236}">
+                <a16:creationId xmlns:a16="http://schemas.microsoft.com/office/drawing/2014/main" id="{C65D9835-1892-5735-FA8E-1D9B59EA89D3}"/>
+              </a:ext>
+            </a:extLst>
+          </p:cNvPr>
+          <p:cNvPicPr>
+            <a:picLocks noChangeAspect="1"/>
+          </p:cNvPicPr>
+          <p:nvPr/>
+        </p:nvPicPr>
+        <p:blipFill>
+          <a:blip r:embed="rId5"/>
+          <a:stretch>
+            <a:fillRect/>
+          </a:stretch>
+        </p:blipFill>
+        <p:spPr>
+          <a:xfrm>
+            <a:off x="608845" y="2843130"/>
+            <a:ext cx="10821910" cy="1171739"/>
+          </a:xfrm>
+          <a:prstGeom prst="rect">
+            <a:avLst/>
+          </a:prstGeom>
+        </p:spPr>
+      </p:pic>
+      <p:pic>
+        <p:nvPicPr>
+          <p:cNvPr id="8" name="תמונה 7">
+            <a:extLst>
+              <a:ext uri="{FF2B5EF4-FFF2-40B4-BE49-F238E27FC236}">
+                <a16:creationId xmlns:a16="http://schemas.microsoft.com/office/drawing/2014/main" id="{BBB4D4A7-1075-136F-D0E6-AC8F918CD5B0}"/>
+              </a:ext>
+            </a:extLst>
+          </p:cNvPr>
+          <p:cNvPicPr>
+            <a:picLocks noChangeAspect="1"/>
+          </p:cNvPicPr>
+          <p:nvPr/>
+        </p:nvPicPr>
+        <p:blipFill>
+          <a:blip r:embed="rId6"/>
+          <a:stretch>
+            <a:fillRect/>
+          </a:stretch>
+        </p:blipFill>
+        <p:spPr>
+          <a:xfrm>
+            <a:off x="0" y="4820000"/>
+            <a:ext cx="12192000" cy="1152567"/>
           </a:xfrm>
           <a:prstGeom prst="rect">
             <a:avLst/>
@@ -5092,7 +6622,7 @@
     </p:spTree>
     <p:extLst>
       <p:ext uri="{BB962C8B-B14F-4D97-AF65-F5344CB8AC3E}">
-        <p14:creationId xmlns:p14="http://schemas.microsoft.com/office/powerpoint/2010/main" val="2163854453"/>
+        <p14:creationId xmlns:p14="http://schemas.microsoft.com/office/powerpoint/2010/main" val="1605893001"/>
       </p:ext>
     </p:extLst>
   </p:cSld>
